--- a/src/slides.pptx
+++ b/src/slides.pptx
@@ -5,9 +5,8 @@
     <p:sldMasterId id="2147483648" r:id="rId1"/>
   </p:sldMasterIdLst>
   <p:sldIdLst>
-    <p:sldId id="256" r:id="rId2"/>
-    <p:sldId id="257" r:id="rId3"/>
-    <p:sldId id="258" r:id="rId4"/>
+    <p:sldId id="259" r:id="rId2"/>
+    <p:sldId id="260" r:id="rId3"/>
   </p:sldIdLst>
   <p:sldSz cx="9144000" cy="6858000" type="screen4x3"/>
   <p:notesSz cx="6858000" cy="9144000"/>
@@ -3099,46 +3098,287 @@
       </p:grpSpPr>
       <p:sp>
         <p:nvSpPr>
-          <p:cNvPr id="2" name="Title 1"/>
-          <p:cNvSpPr>
-            <a:spLocks noGrp="1"/>
-          </p:cNvSpPr>
-          <p:nvPr>
-            <p:ph type="ctrTitle"/>
-          </p:nvPr>
-        </p:nvSpPr>
-        <p:spPr/>
-        <p:txBody>
-          <a:bodyPr/>
-          <a:lstStyle/>
-          <a:p>
-            <a:endParaRPr lang="en-US"/>
-          </a:p>
-        </p:txBody>
-      </p:sp>
-      <p:sp>
-        <p:nvSpPr>
-          <p:cNvPr id="3" name="Subtitle 2"/>
-          <p:cNvSpPr>
-            <a:spLocks noGrp="1"/>
-          </p:cNvSpPr>
-          <p:nvPr>
-            <p:ph type="subTitle" idx="1"/>
-          </p:nvPr>
-        </p:nvSpPr>
-        <p:spPr/>
-        <p:txBody>
-          <a:bodyPr/>
-          <a:lstStyle/>
-          <a:p>
-            <a:endParaRPr lang="en-US"/>
-          </a:p>
-        </p:txBody>
-      </p:sp>
+          <p:cNvPr id="29" name="Rectangle 28"/>
+          <p:cNvSpPr/>
+          <p:nvPr/>
+        </p:nvSpPr>
+        <p:spPr>
+          <a:xfrm>
+            <a:off x="1143000" y="1295400"/>
+            <a:ext cx="6705600" cy="1971089"/>
+          </a:xfrm>
+          <a:prstGeom prst="rect">
+            <a:avLst/>
+          </a:prstGeom>
+        </p:spPr>
+        <p:style>
+          <a:lnRef idx="1">
+            <a:schemeClr val="dk1"/>
+          </a:lnRef>
+          <a:fillRef idx="2">
+            <a:schemeClr val="dk1"/>
+          </a:fillRef>
+          <a:effectRef idx="1">
+            <a:schemeClr val="dk1"/>
+          </a:effectRef>
+          <a:fontRef idx="minor">
+            <a:schemeClr val="dk1"/>
+          </a:fontRef>
+        </p:style>
+        <p:txBody>
+          <a:bodyPr rtlCol="0" anchor="t"/>
+          <a:lstStyle/>
+          <a:p>
+            <a:pPr algn="ctr"/>
+            <a:r>
+              <a:rPr lang="en-US" dirty="0" smtClean="0"/>
+              <a:t>Command-line:</a:t>
+            </a:r>
+          </a:p>
+          <a:p>
+            <a:pPr algn="ctr"/>
+            <a:r>
+              <a:rPr lang="en-US" dirty="0" smtClean="0">
+                <a:latin typeface="Courier New" pitchFamily="49" charset="0"/>
+                <a:cs typeface="Courier New" pitchFamily="49" charset="0"/>
+              </a:rPr>
+              <a:t>-pluginCustomization /path/to/settings.ini</a:t>
+            </a:r>
+            <a:endParaRPr lang="en-US" dirty="0">
+              <a:latin typeface="Courier New" pitchFamily="49" charset="0"/>
+              <a:cs typeface="Courier New" pitchFamily="49" charset="0"/>
+            </a:endParaRPr>
+          </a:p>
+        </p:txBody>
+      </p:sp>
+      <p:sp>
+        <p:nvSpPr>
+          <p:cNvPr id="4" name="Cube 3"/>
+          <p:cNvSpPr/>
+          <p:nvPr/>
+        </p:nvSpPr>
+        <p:spPr>
+          <a:xfrm>
+            <a:off x="1295400" y="2098090"/>
+            <a:ext cx="2743200" cy="887567"/>
+          </a:xfrm>
+          <a:prstGeom prst="cube">
+            <a:avLst>
+              <a:gd name="adj" fmla="val 17424"/>
+            </a:avLst>
+          </a:prstGeom>
+        </p:spPr>
+        <p:style>
+          <a:lnRef idx="1">
+            <a:schemeClr val="accent1"/>
+          </a:lnRef>
+          <a:fillRef idx="2">
+            <a:schemeClr val="accent1"/>
+          </a:fillRef>
+          <a:effectRef idx="1">
+            <a:schemeClr val="accent1"/>
+          </a:effectRef>
+          <a:fontRef idx="minor">
+            <a:schemeClr val="dk1"/>
+          </a:fontRef>
+        </p:style>
+        <p:txBody>
+          <a:bodyPr rtlCol="0" anchor="ctr"/>
+          <a:lstStyle/>
+          <a:p>
+            <a:pPr algn="ctr"/>
+            <a:r>
+              <a:rPr lang="en-US" dirty="0" smtClean="0"/>
+              <a:t>Product:</a:t>
+            </a:r>
+          </a:p>
+          <a:p>
+            <a:pPr algn="ctr"/>
+            <a:r>
+              <a:rPr lang="en-US" sz="1100" dirty="0" smtClean="0">
+                <a:latin typeface="Courier New" pitchFamily="49" charset="0"/>
+                <a:cs typeface="Courier New" pitchFamily="49" charset="0"/>
+              </a:rPr>
+              <a:t>plugin_customization.ini</a:t>
+            </a:r>
+            <a:endParaRPr lang="en-US" sz="1100" dirty="0">
+              <a:latin typeface="Courier New" pitchFamily="49" charset="0"/>
+              <a:cs typeface="Courier New" pitchFamily="49" charset="0"/>
+            </a:endParaRPr>
+          </a:p>
+        </p:txBody>
+      </p:sp>
+      <p:sp>
+        <p:nvSpPr>
+          <p:cNvPr id="14" name="Cube 13"/>
+          <p:cNvSpPr/>
+          <p:nvPr/>
+        </p:nvSpPr>
+        <p:spPr>
+          <a:xfrm>
+            <a:off x="4994571" y="2645341"/>
+            <a:ext cx="2720109" cy="402659"/>
+          </a:xfrm>
+          <a:prstGeom prst="cube">
+            <a:avLst>
+              <a:gd name="adj" fmla="val 13980"/>
+            </a:avLst>
+          </a:prstGeom>
+        </p:spPr>
+        <p:style>
+          <a:lnRef idx="1">
+            <a:schemeClr val="dk1"/>
+          </a:lnRef>
+          <a:fillRef idx="2">
+            <a:schemeClr val="dk1"/>
+          </a:fillRef>
+          <a:effectRef idx="1">
+            <a:schemeClr val="dk1"/>
+          </a:effectRef>
+          <a:fontRef idx="minor">
+            <a:schemeClr val="dk1"/>
+          </a:fontRef>
+        </p:style>
+        <p:txBody>
+          <a:bodyPr rtlCol="0" anchor="ctr"/>
+          <a:lstStyle/>
+          <a:p>
+            <a:pPr algn="ctr"/>
+            <a:endParaRPr lang="en-US" dirty="0" smtClean="0"/>
+          </a:p>
+        </p:txBody>
+      </p:sp>
+      <p:sp>
+        <p:nvSpPr>
+          <p:cNvPr id="13" name="Cube 12"/>
+          <p:cNvSpPr/>
+          <p:nvPr/>
+        </p:nvSpPr>
+        <p:spPr>
+          <a:xfrm>
+            <a:off x="4892970" y="2520649"/>
+            <a:ext cx="2720109" cy="402659"/>
+          </a:xfrm>
+          <a:prstGeom prst="cube">
+            <a:avLst>
+              <a:gd name="adj" fmla="val 13980"/>
+            </a:avLst>
+          </a:prstGeom>
+        </p:spPr>
+        <p:style>
+          <a:lnRef idx="1">
+            <a:schemeClr val="dk1"/>
+          </a:lnRef>
+          <a:fillRef idx="2">
+            <a:schemeClr val="dk1"/>
+          </a:fillRef>
+          <a:effectRef idx="1">
+            <a:schemeClr val="dk1"/>
+          </a:effectRef>
+          <a:fontRef idx="minor">
+            <a:schemeClr val="dk1"/>
+          </a:fontRef>
+        </p:style>
+        <p:txBody>
+          <a:bodyPr rtlCol="0" anchor="ctr"/>
+          <a:lstStyle/>
+          <a:p>
+            <a:pPr algn="ctr"/>
+            <a:endParaRPr lang="en-US" dirty="0" smtClean="0"/>
+          </a:p>
+        </p:txBody>
+      </p:sp>
+      <p:sp>
+        <p:nvSpPr>
+          <p:cNvPr id="11" name="Cube 10"/>
+          <p:cNvSpPr/>
+          <p:nvPr/>
+        </p:nvSpPr>
+        <p:spPr>
+          <a:xfrm>
+            <a:off x="4740569" y="2255104"/>
+            <a:ext cx="2720109" cy="580455"/>
+          </a:xfrm>
+          <a:prstGeom prst="cube">
+            <a:avLst>
+              <a:gd name="adj" fmla="val 13980"/>
+            </a:avLst>
+          </a:prstGeom>
+        </p:spPr>
+        <p:style>
+          <a:lnRef idx="1">
+            <a:schemeClr val="dk1"/>
+          </a:lnRef>
+          <a:fillRef idx="2">
+            <a:schemeClr val="dk1"/>
+          </a:fillRef>
+          <a:effectRef idx="1">
+            <a:schemeClr val="dk1"/>
+          </a:effectRef>
+          <a:fontRef idx="minor">
+            <a:schemeClr val="dk1"/>
+          </a:fontRef>
+        </p:style>
+        <p:txBody>
+          <a:bodyPr rtlCol="0" anchor="ctr"/>
+          <a:lstStyle/>
+          <a:p>
+            <a:pPr algn="ctr"/>
+            <a:r>
+              <a:rPr lang="en-US" sz="1600" dirty="0" smtClean="0"/>
+              <a:t>Plugin:</a:t>
+            </a:r>
+            <a:br>
+              <a:rPr lang="en-US" sz="1600" dirty="0" smtClean="0"/>
+            </a:br>
+            <a:r>
+              <a:rPr lang="en-US" sz="1200" dirty="0" smtClean="0">
+                <a:latin typeface="Courier New" pitchFamily="49" charset="0"/>
+                <a:cs typeface="Courier New" pitchFamily="49" charset="0"/>
+              </a:rPr>
+              <a:t>preferences.ini</a:t>
+            </a:r>
+            <a:endParaRPr lang="en-US" sz="1600" dirty="0" smtClean="0">
+              <a:latin typeface="Courier New" pitchFamily="49" charset="0"/>
+              <a:cs typeface="Courier New" pitchFamily="49" charset="0"/>
+            </a:endParaRPr>
+          </a:p>
+        </p:txBody>
+      </p:sp>
+      <p:cxnSp>
+        <p:nvCxnSpPr>
+          <p:cNvPr id="6" name="Straight Connector 5"/>
+          <p:cNvCxnSpPr/>
+          <p:nvPr/>
+        </p:nvCxnSpPr>
+        <p:spPr>
+          <a:xfrm>
+            <a:off x="3978569" y="2559905"/>
+            <a:ext cx="762000" cy="0"/>
+          </a:xfrm>
+          <a:prstGeom prst="line">
+            <a:avLst/>
+          </a:prstGeom>
+        </p:spPr>
+        <p:style>
+          <a:lnRef idx="2">
+            <a:schemeClr val="accent2"/>
+          </a:lnRef>
+          <a:fillRef idx="0">
+            <a:schemeClr val="accent2"/>
+          </a:fillRef>
+          <a:effectRef idx="1">
+            <a:schemeClr val="accent2"/>
+          </a:effectRef>
+          <a:fontRef idx="minor">
+            <a:schemeClr val="tx1"/>
+          </a:fontRef>
+        </p:style>
+      </p:cxnSp>
     </p:spTree>
     <p:extLst>
       <p:ext uri="{BB962C8B-B14F-4D97-AF65-F5344CB8AC3E}">
-        <p14:creationId xmlns:p14="http://schemas.microsoft.com/office/powerpoint/2010/main" val="3180094170"/>
+        <p14:creationId xmlns:p14="http://schemas.microsoft.com/office/powerpoint/2010/main" val="3241426280"/>
       </p:ext>
     </p:extLst>
   </p:cSld>
@@ -4286,82 +4526,7 @@
     </p:spTree>
     <p:extLst>
       <p:ext uri="{BB962C8B-B14F-4D97-AF65-F5344CB8AC3E}">
-        <p14:creationId xmlns:p14="http://schemas.microsoft.com/office/powerpoint/2010/main" val="925914219"/>
-      </p:ext>
-    </p:extLst>
-  </p:cSld>
-  <p:clrMapOvr>
-    <a:masterClrMapping/>
-  </p:clrMapOvr>
-  <p:timing>
-    <p:tnLst>
-      <p:par>
-        <p:cTn id="1" dur="indefinite" restart="never" nodeType="tmRoot"/>
-      </p:par>
-    </p:tnLst>
-  </p:timing>
-</p:sld>
-</file>
-
-<file path=ppt/slides/slide3.xml><?xml version="1.0" encoding="utf-8"?>
-<p:sld xmlns:a="http://schemas.openxmlformats.org/drawingml/2006/main" xmlns:r="http://schemas.openxmlformats.org/officeDocument/2006/relationships" xmlns:p="http://schemas.openxmlformats.org/presentationml/2006/main">
-  <p:cSld>
-    <p:spTree>
-      <p:nvGrpSpPr>
-        <p:cNvPr id="1" name=""/>
-        <p:cNvGrpSpPr/>
-        <p:nvPr/>
-      </p:nvGrpSpPr>
-      <p:grpSpPr>
-        <a:xfrm>
-          <a:off x="0" y="0"/>
-          <a:ext cx="0" cy="0"/>
-          <a:chOff x="0" y="0"/>
-          <a:chExt cx="0" cy="0"/>
-        </a:xfrm>
-      </p:grpSpPr>
-      <p:sp>
-        <p:nvSpPr>
-          <p:cNvPr id="2" name="Title 1"/>
-          <p:cNvSpPr>
-            <a:spLocks noGrp="1"/>
-          </p:cNvSpPr>
-          <p:nvPr>
-            <p:ph type="title"/>
-          </p:nvPr>
-        </p:nvSpPr>
-        <p:spPr/>
-        <p:txBody>
-          <a:bodyPr/>
-          <a:lstStyle/>
-          <a:p>
-            <a:endParaRPr lang="en-US"/>
-          </a:p>
-        </p:txBody>
-      </p:sp>
-      <p:sp>
-        <p:nvSpPr>
-          <p:cNvPr id="3" name="Content Placeholder 2"/>
-          <p:cNvSpPr>
-            <a:spLocks noGrp="1"/>
-          </p:cNvSpPr>
-          <p:nvPr>
-            <p:ph idx="1"/>
-          </p:nvPr>
-        </p:nvSpPr>
-        <p:spPr/>
-        <p:txBody>
-          <a:bodyPr/>
-          <a:lstStyle/>
-          <a:p>
-            <a:endParaRPr lang="en-US" dirty="0"/>
-          </a:p>
-        </p:txBody>
-      </p:sp>
-    </p:spTree>
-    <p:extLst>
-      <p:ext uri="{BB962C8B-B14F-4D97-AF65-F5344CB8AC3E}">
-        <p14:creationId xmlns:p14="http://schemas.microsoft.com/office/powerpoint/2010/main" val="3280842202"/>
+        <p14:creationId xmlns:p14="http://schemas.microsoft.com/office/powerpoint/2010/main" val="3509810298"/>
       </p:ext>
     </p:extLst>
   </p:cSld>

--- a/src/slides.pptx
+++ b/src/slides.pptx
@@ -7,6 +7,8 @@
   <p:sldIdLst>
     <p:sldId id="259" r:id="rId2"/>
     <p:sldId id="260" r:id="rId3"/>
+    <p:sldId id="261" r:id="rId4"/>
+    <p:sldId id="263" r:id="rId5"/>
   </p:sldIdLst>
   <p:sldSz cx="9144000" cy="6858000" type="screen4x3"/>
   <p:notesSz cx="6858000" cy="9144000"/>
@@ -289,9 +291,9 @@
           <a:p>
             <a:fld id="{FCD849ED-D095-4409-898A-E3F8B21476F0}" type="datetimeFigureOut">
               <a:rPr lang="en-US" smtClean="0"/>
-              <a:t>7/26/2011</a:t>
+              <a:t>8/2/2011</a:t>
             </a:fld>
-            <a:endParaRPr lang="en-US"/>
+            <a:endParaRPr lang="en-US" dirty="0"/>
           </a:p>
         </p:txBody>
       </p:sp>
@@ -310,7 +312,7 @@
           <a:bodyPr/>
           <a:lstStyle/>
           <a:p>
-            <a:endParaRPr lang="en-US"/>
+            <a:endParaRPr lang="en-US" dirty="0"/>
           </a:p>
         </p:txBody>
       </p:sp>
@@ -333,7 +335,7 @@
               <a:rPr lang="en-US" smtClean="0"/>
               <a:t>‹#›</a:t>
             </a:fld>
-            <a:endParaRPr lang="en-US"/>
+            <a:endParaRPr lang="en-US" dirty="0"/>
           </a:p>
         </p:txBody>
       </p:sp>
@@ -459,9 +461,9 @@
           <a:p>
             <a:fld id="{FCD849ED-D095-4409-898A-E3F8B21476F0}" type="datetimeFigureOut">
               <a:rPr lang="en-US" smtClean="0"/>
-              <a:t>7/26/2011</a:t>
+              <a:t>8/2/2011</a:t>
             </a:fld>
-            <a:endParaRPr lang="en-US"/>
+            <a:endParaRPr lang="en-US" dirty="0"/>
           </a:p>
         </p:txBody>
       </p:sp>
@@ -480,7 +482,7 @@
           <a:bodyPr/>
           <a:lstStyle/>
           <a:p>
-            <a:endParaRPr lang="en-US"/>
+            <a:endParaRPr lang="en-US" dirty="0"/>
           </a:p>
         </p:txBody>
       </p:sp>
@@ -503,7 +505,7 @@
               <a:rPr lang="en-US" smtClean="0"/>
               <a:t>‹#›</a:t>
             </a:fld>
-            <a:endParaRPr lang="en-US"/>
+            <a:endParaRPr lang="en-US" dirty="0"/>
           </a:p>
         </p:txBody>
       </p:sp>
@@ -639,9 +641,9 @@
           <a:p>
             <a:fld id="{FCD849ED-D095-4409-898A-E3F8B21476F0}" type="datetimeFigureOut">
               <a:rPr lang="en-US" smtClean="0"/>
-              <a:t>7/26/2011</a:t>
+              <a:t>8/2/2011</a:t>
             </a:fld>
-            <a:endParaRPr lang="en-US"/>
+            <a:endParaRPr lang="en-US" dirty="0"/>
           </a:p>
         </p:txBody>
       </p:sp>
@@ -660,7 +662,7 @@
           <a:bodyPr/>
           <a:lstStyle/>
           <a:p>
-            <a:endParaRPr lang="en-US"/>
+            <a:endParaRPr lang="en-US" dirty="0"/>
           </a:p>
         </p:txBody>
       </p:sp>
@@ -683,7 +685,7 @@
               <a:rPr lang="en-US" smtClean="0"/>
               <a:t>‹#›</a:t>
             </a:fld>
-            <a:endParaRPr lang="en-US"/>
+            <a:endParaRPr lang="en-US" dirty="0"/>
           </a:p>
         </p:txBody>
       </p:sp>
@@ -809,9 +811,9 @@
           <a:p>
             <a:fld id="{FCD849ED-D095-4409-898A-E3F8B21476F0}" type="datetimeFigureOut">
               <a:rPr lang="en-US" smtClean="0"/>
-              <a:t>7/26/2011</a:t>
+              <a:t>8/2/2011</a:t>
             </a:fld>
-            <a:endParaRPr lang="en-US"/>
+            <a:endParaRPr lang="en-US" dirty="0"/>
           </a:p>
         </p:txBody>
       </p:sp>
@@ -830,7 +832,7 @@
           <a:bodyPr/>
           <a:lstStyle/>
           <a:p>
-            <a:endParaRPr lang="en-US"/>
+            <a:endParaRPr lang="en-US" dirty="0"/>
           </a:p>
         </p:txBody>
       </p:sp>
@@ -853,7 +855,7 @@
               <a:rPr lang="en-US" smtClean="0"/>
               <a:t>‹#›</a:t>
             </a:fld>
-            <a:endParaRPr lang="en-US"/>
+            <a:endParaRPr lang="en-US" dirty="0"/>
           </a:p>
         </p:txBody>
       </p:sp>
@@ -1055,9 +1057,9 @@
           <a:p>
             <a:fld id="{FCD849ED-D095-4409-898A-E3F8B21476F0}" type="datetimeFigureOut">
               <a:rPr lang="en-US" smtClean="0"/>
-              <a:t>7/26/2011</a:t>
+              <a:t>8/2/2011</a:t>
             </a:fld>
-            <a:endParaRPr lang="en-US"/>
+            <a:endParaRPr lang="en-US" dirty="0"/>
           </a:p>
         </p:txBody>
       </p:sp>
@@ -1076,7 +1078,7 @@
           <a:bodyPr/>
           <a:lstStyle/>
           <a:p>
-            <a:endParaRPr lang="en-US"/>
+            <a:endParaRPr lang="en-US" dirty="0"/>
           </a:p>
         </p:txBody>
       </p:sp>
@@ -1099,7 +1101,7 @@
               <a:rPr lang="en-US" smtClean="0"/>
               <a:t>‹#›</a:t>
             </a:fld>
-            <a:endParaRPr lang="en-US"/>
+            <a:endParaRPr lang="en-US" dirty="0"/>
           </a:p>
         </p:txBody>
       </p:sp>
@@ -1343,9 +1345,9 @@
           <a:p>
             <a:fld id="{FCD849ED-D095-4409-898A-E3F8B21476F0}" type="datetimeFigureOut">
               <a:rPr lang="en-US" smtClean="0"/>
-              <a:t>7/26/2011</a:t>
+              <a:t>8/2/2011</a:t>
             </a:fld>
-            <a:endParaRPr lang="en-US"/>
+            <a:endParaRPr lang="en-US" dirty="0"/>
           </a:p>
         </p:txBody>
       </p:sp>
@@ -1364,7 +1366,7 @@
           <a:bodyPr/>
           <a:lstStyle/>
           <a:p>
-            <a:endParaRPr lang="en-US"/>
+            <a:endParaRPr lang="en-US" dirty="0"/>
           </a:p>
         </p:txBody>
       </p:sp>
@@ -1387,7 +1389,7 @@
               <a:rPr lang="en-US" smtClean="0"/>
               <a:t>‹#›</a:t>
             </a:fld>
-            <a:endParaRPr lang="en-US"/>
+            <a:endParaRPr lang="en-US" dirty="0"/>
           </a:p>
         </p:txBody>
       </p:sp>
@@ -1765,9 +1767,9 @@
           <a:p>
             <a:fld id="{FCD849ED-D095-4409-898A-E3F8B21476F0}" type="datetimeFigureOut">
               <a:rPr lang="en-US" smtClean="0"/>
-              <a:t>7/26/2011</a:t>
+              <a:t>8/2/2011</a:t>
             </a:fld>
-            <a:endParaRPr lang="en-US"/>
+            <a:endParaRPr lang="en-US" dirty="0"/>
           </a:p>
         </p:txBody>
       </p:sp>
@@ -1786,7 +1788,7 @@
           <a:bodyPr/>
           <a:lstStyle/>
           <a:p>
-            <a:endParaRPr lang="en-US"/>
+            <a:endParaRPr lang="en-US" dirty="0"/>
           </a:p>
         </p:txBody>
       </p:sp>
@@ -1809,7 +1811,7 @@
               <a:rPr lang="en-US" smtClean="0"/>
               <a:t>‹#›</a:t>
             </a:fld>
-            <a:endParaRPr lang="en-US"/>
+            <a:endParaRPr lang="en-US" dirty="0"/>
           </a:p>
         </p:txBody>
       </p:sp>
@@ -1883,9 +1885,9 @@
           <a:p>
             <a:fld id="{FCD849ED-D095-4409-898A-E3F8B21476F0}" type="datetimeFigureOut">
               <a:rPr lang="en-US" smtClean="0"/>
-              <a:t>7/26/2011</a:t>
+              <a:t>8/2/2011</a:t>
             </a:fld>
-            <a:endParaRPr lang="en-US"/>
+            <a:endParaRPr lang="en-US" dirty="0"/>
           </a:p>
         </p:txBody>
       </p:sp>
@@ -1904,7 +1906,7 @@
           <a:bodyPr/>
           <a:lstStyle/>
           <a:p>
-            <a:endParaRPr lang="en-US"/>
+            <a:endParaRPr lang="en-US" dirty="0"/>
           </a:p>
         </p:txBody>
       </p:sp>
@@ -1927,7 +1929,7 @@
               <a:rPr lang="en-US" smtClean="0"/>
               <a:t>‹#›</a:t>
             </a:fld>
-            <a:endParaRPr lang="en-US"/>
+            <a:endParaRPr lang="en-US" dirty="0"/>
           </a:p>
         </p:txBody>
       </p:sp>
@@ -1978,9 +1980,9 @@
           <a:p>
             <a:fld id="{FCD849ED-D095-4409-898A-E3F8B21476F0}" type="datetimeFigureOut">
               <a:rPr lang="en-US" smtClean="0"/>
-              <a:t>7/26/2011</a:t>
+              <a:t>8/2/2011</a:t>
             </a:fld>
-            <a:endParaRPr lang="en-US"/>
+            <a:endParaRPr lang="en-US" dirty="0"/>
           </a:p>
         </p:txBody>
       </p:sp>
@@ -1999,7 +2001,7 @@
           <a:bodyPr/>
           <a:lstStyle/>
           <a:p>
-            <a:endParaRPr lang="en-US"/>
+            <a:endParaRPr lang="en-US" dirty="0"/>
           </a:p>
         </p:txBody>
       </p:sp>
@@ -2022,7 +2024,7 @@
               <a:rPr lang="en-US" smtClean="0"/>
               <a:t>‹#›</a:t>
             </a:fld>
-            <a:endParaRPr lang="en-US"/>
+            <a:endParaRPr lang="en-US" dirty="0"/>
           </a:p>
         </p:txBody>
       </p:sp>
@@ -2255,9 +2257,9 @@
           <a:p>
             <a:fld id="{FCD849ED-D095-4409-898A-E3F8B21476F0}" type="datetimeFigureOut">
               <a:rPr lang="en-US" smtClean="0"/>
-              <a:t>7/26/2011</a:t>
+              <a:t>8/2/2011</a:t>
             </a:fld>
-            <a:endParaRPr lang="en-US"/>
+            <a:endParaRPr lang="en-US" dirty="0"/>
           </a:p>
         </p:txBody>
       </p:sp>
@@ -2276,7 +2278,7 @@
           <a:bodyPr/>
           <a:lstStyle/>
           <a:p>
-            <a:endParaRPr lang="en-US"/>
+            <a:endParaRPr lang="en-US" dirty="0"/>
           </a:p>
         </p:txBody>
       </p:sp>
@@ -2299,7 +2301,7 @@
               <a:rPr lang="en-US" smtClean="0"/>
               <a:t>‹#›</a:t>
             </a:fld>
-            <a:endParaRPr lang="en-US"/>
+            <a:endParaRPr lang="en-US" dirty="0"/>
           </a:p>
         </p:txBody>
       </p:sp>
@@ -2422,7 +2424,7 @@
             </a:lvl9pPr>
           </a:lstStyle>
           <a:p>
-            <a:endParaRPr lang="en-US"/>
+            <a:endParaRPr lang="en-US" dirty="0"/>
           </a:p>
         </p:txBody>
       </p:sp>
@@ -2508,9 +2510,9 @@
           <a:p>
             <a:fld id="{FCD849ED-D095-4409-898A-E3F8B21476F0}" type="datetimeFigureOut">
               <a:rPr lang="en-US" smtClean="0"/>
-              <a:t>7/26/2011</a:t>
+              <a:t>8/2/2011</a:t>
             </a:fld>
-            <a:endParaRPr lang="en-US"/>
+            <a:endParaRPr lang="en-US" dirty="0"/>
           </a:p>
         </p:txBody>
       </p:sp>
@@ -2529,7 +2531,7 @@
           <a:bodyPr/>
           <a:lstStyle/>
           <a:p>
-            <a:endParaRPr lang="en-US"/>
+            <a:endParaRPr lang="en-US" dirty="0"/>
           </a:p>
         </p:txBody>
       </p:sp>
@@ -2552,7 +2554,7 @@
               <a:rPr lang="en-US" smtClean="0"/>
               <a:t>‹#›</a:t>
             </a:fld>
-            <a:endParaRPr lang="en-US"/>
+            <a:endParaRPr lang="en-US" dirty="0"/>
           </a:p>
         </p:txBody>
       </p:sp>
@@ -2721,9 +2723,9 @@
           <a:p>
             <a:fld id="{FCD849ED-D095-4409-898A-E3F8B21476F0}" type="datetimeFigureOut">
               <a:rPr lang="en-US" smtClean="0"/>
-              <a:t>7/26/2011</a:t>
+              <a:t>8/2/2011</a:t>
             </a:fld>
-            <a:endParaRPr lang="en-US"/>
+            <a:endParaRPr lang="en-US" dirty="0"/>
           </a:p>
         </p:txBody>
       </p:sp>
@@ -2760,7 +2762,7 @@
             </a:lvl1pPr>
           </a:lstStyle>
           <a:p>
-            <a:endParaRPr lang="en-US"/>
+            <a:endParaRPr lang="en-US" dirty="0"/>
           </a:p>
         </p:txBody>
       </p:sp>
@@ -2801,7 +2803,7 @@
               <a:rPr lang="en-US" smtClean="0"/>
               <a:t>‹#›</a:t>
             </a:fld>
-            <a:endParaRPr lang="en-US"/>
+            <a:endParaRPr lang="en-US" dirty="0"/>
           </a:p>
         </p:txBody>
       </p:sp>
@@ -3414,6 +3416,670 @@
       </p:grpSpPr>
       <p:sp>
         <p:nvSpPr>
+          <p:cNvPr id="12" name="Content Placeholder 2"/>
+          <p:cNvSpPr>
+            <a:spLocks noGrp="1"/>
+          </p:cNvSpPr>
+          <p:nvPr>
+            <p:ph idx="1"/>
+          </p:nvPr>
+        </p:nvSpPr>
+        <p:spPr>
+          <a:xfrm>
+            <a:off x="1447800" y="381000"/>
+            <a:ext cx="7181840" cy="715963"/>
+          </a:xfrm>
+        </p:spPr>
+        <p:txBody>
+          <a:bodyPr>
+            <a:normAutofit/>
+          </a:bodyPr>
+          <a:lstStyle/>
+          <a:p>
+            <a:pPr marL="0" indent="0">
+              <a:buNone/>
+            </a:pPr>
+            <a:r>
+              <a:rPr lang="en-US" dirty="0" smtClean="0"/>
+              <a:t>Workspace                          Source Code</a:t>
+            </a:r>
+            <a:endParaRPr lang="en-US" dirty="0"/>
+          </a:p>
+        </p:txBody>
+      </p:sp>
+      <p:sp>
+        <p:nvSpPr>
+          <p:cNvPr id="2" name="Flowchart: Magnetic Disk 1"/>
+          <p:cNvSpPr/>
+          <p:nvPr/>
+        </p:nvSpPr>
+        <p:spPr>
+          <a:xfrm>
+            <a:off x="490255" y="990600"/>
+            <a:ext cx="4050809" cy="2514600"/>
+          </a:xfrm>
+          <a:prstGeom prst="flowChartMagneticDisk">
+            <a:avLst/>
+          </a:prstGeom>
+        </p:spPr>
+        <p:style>
+          <a:lnRef idx="1">
+            <a:schemeClr val="accent1"/>
+          </a:lnRef>
+          <a:fillRef idx="2">
+            <a:schemeClr val="accent1"/>
+          </a:fillRef>
+          <a:effectRef idx="1">
+            <a:schemeClr val="accent1"/>
+          </a:effectRef>
+          <a:fontRef idx="minor">
+            <a:schemeClr val="dk1"/>
+          </a:fontRef>
+        </p:style>
+        <p:txBody>
+          <a:bodyPr rtlCol="0" anchor="ctr"/>
+          <a:lstStyle/>
+          <a:p>
+            <a:pPr algn="ctr"/>
+            <a:r>
+              <a:rPr lang="en-US" dirty="0"/>
+              <a:t>~/</a:t>
+            </a:r>
+            <a:r>
+              <a:rPr lang="en-US" dirty="0" smtClean="0"/>
+              <a:t>CSS/Workspace</a:t>
+            </a:r>
+          </a:p>
+          <a:p>
+            <a:pPr algn="ctr"/>
+            <a:endParaRPr lang="en-US" dirty="0"/>
+          </a:p>
+          <a:p>
+            <a:r>
+              <a:rPr lang="en-US" dirty="0">
+                <a:latin typeface="Courier New" pitchFamily="49" charset="0"/>
+                <a:cs typeface="Courier New" pitchFamily="49" charset="0"/>
+              </a:rPr>
+              <a:t>.metadata</a:t>
+            </a:r>
+            <a:r>
+              <a:rPr lang="en-US" dirty="0" smtClean="0">
+                <a:latin typeface="Courier New" pitchFamily="49" charset="0"/>
+                <a:cs typeface="Courier New" pitchFamily="49" charset="0"/>
+              </a:rPr>
+              <a:t>/</a:t>
+            </a:r>
+          </a:p>
+          <a:p>
+            <a:r>
+              <a:rPr lang="en-US" dirty="0" smtClean="0">
+                <a:latin typeface="Courier New" pitchFamily="49" charset="0"/>
+                <a:cs typeface="Courier New" pitchFamily="49" charset="0"/>
+              </a:rPr>
+              <a:t>  .log</a:t>
+            </a:r>
+          </a:p>
+          <a:p>
+            <a:r>
+              <a:rPr lang="en-US" dirty="0">
+                <a:latin typeface="Courier New" pitchFamily="49" charset="0"/>
+                <a:cs typeface="Courier New" pitchFamily="49" charset="0"/>
+              </a:rPr>
+              <a:t> </a:t>
+            </a:r>
+            <a:r>
+              <a:rPr lang="en-US" dirty="0" smtClean="0">
+                <a:latin typeface="Courier New" pitchFamily="49" charset="0"/>
+                <a:cs typeface="Courier New" pitchFamily="49" charset="0"/>
+              </a:rPr>
+              <a:t> .plugins</a:t>
+            </a:r>
+          </a:p>
+          <a:p>
+            <a:r>
+              <a:rPr lang="en-US" dirty="0">
+                <a:latin typeface="Courier New" pitchFamily="49" charset="0"/>
+                <a:cs typeface="Courier New" pitchFamily="49" charset="0"/>
+              </a:rPr>
+              <a:t> </a:t>
+            </a:r>
+            <a:r>
+              <a:rPr lang="en-US" dirty="0" smtClean="0">
+                <a:latin typeface="Courier New" pitchFamily="49" charset="0"/>
+                <a:cs typeface="Courier New" pitchFamily="49" charset="0"/>
+              </a:rPr>
+              <a:t>   org.eclipse.core.runtime</a:t>
+            </a:r>
+          </a:p>
+          <a:p>
+            <a:r>
+              <a:rPr lang="en-US" dirty="0">
+                <a:latin typeface="Courier New" pitchFamily="49" charset="0"/>
+                <a:cs typeface="Courier New" pitchFamily="49" charset="0"/>
+              </a:rPr>
+              <a:t> </a:t>
+            </a:r>
+            <a:r>
+              <a:rPr lang="en-US" dirty="0" smtClean="0">
+                <a:latin typeface="Courier New" pitchFamily="49" charset="0"/>
+                <a:cs typeface="Courier New" pitchFamily="49" charset="0"/>
+              </a:rPr>
+              <a:t>     .</a:t>
+            </a:r>
+            <a:r>
+              <a:rPr lang="en-US" dirty="0">
+                <a:latin typeface="Courier New" pitchFamily="49" charset="0"/>
+                <a:cs typeface="Courier New" pitchFamily="49" charset="0"/>
+              </a:rPr>
+              <a:t>settings</a:t>
+            </a:r>
+          </a:p>
+          <a:p>
+            <a:pPr algn="ctr"/>
+            <a:endParaRPr lang="en-US" dirty="0"/>
+          </a:p>
+        </p:txBody>
+      </p:sp>
+      <p:sp>
+        <p:nvSpPr>
+          <p:cNvPr id="33" name="Flowchart: Magnetic Disk 32"/>
+          <p:cNvSpPr/>
+          <p:nvPr/>
+        </p:nvSpPr>
+        <p:spPr>
+          <a:xfrm>
+            <a:off x="4743271" y="990600"/>
+            <a:ext cx="4050809" cy="2514600"/>
+          </a:xfrm>
+          <a:prstGeom prst="flowChartMagneticDisk">
+            <a:avLst/>
+          </a:prstGeom>
+        </p:spPr>
+        <p:style>
+          <a:lnRef idx="1">
+            <a:schemeClr val="accent1"/>
+          </a:lnRef>
+          <a:fillRef idx="2">
+            <a:schemeClr val="accent1"/>
+          </a:fillRef>
+          <a:effectRef idx="1">
+            <a:schemeClr val="accent1"/>
+          </a:effectRef>
+          <a:fontRef idx="minor">
+            <a:schemeClr val="dk1"/>
+          </a:fontRef>
+        </p:style>
+        <p:txBody>
+          <a:bodyPr rtlCol="0" anchor="ctr"/>
+          <a:lstStyle/>
+          <a:p>
+            <a:pPr algn="ctr"/>
+            <a:r>
+              <a:rPr lang="en-US" dirty="0"/>
+              <a:t>~/</a:t>
+            </a:r>
+            <a:r>
+              <a:rPr lang="en-US" dirty="0" smtClean="0"/>
+              <a:t>CSS/Sources</a:t>
+            </a:r>
+          </a:p>
+          <a:p>
+            <a:pPr algn="ctr"/>
+            <a:endParaRPr lang="en-US" dirty="0" smtClean="0"/>
+          </a:p>
+          <a:p>
+            <a:r>
+              <a:rPr lang="en-US" dirty="0" smtClean="0">
+                <a:latin typeface="Courier New" pitchFamily="49" charset="0"/>
+                <a:cs typeface="Courier New" pitchFamily="49" charset="0"/>
+              </a:rPr>
+              <a:t>  </a:t>
+            </a:r>
+          </a:p>
+          <a:p>
+            <a:r>
+              <a:rPr lang="en-US" dirty="0">
+                <a:latin typeface="Courier New" pitchFamily="49" charset="0"/>
+                <a:cs typeface="Courier New" pitchFamily="49" charset="0"/>
+              </a:rPr>
+              <a:t> </a:t>
+            </a:r>
+            <a:r>
+              <a:rPr lang="en-US" dirty="0" smtClean="0">
+                <a:latin typeface="Courier New" pitchFamily="49" charset="0"/>
+                <a:cs typeface="Courier New" pitchFamily="49" charset="0"/>
+              </a:rPr>
+              <a:t> </a:t>
+            </a:r>
+            <a:r>
+              <a:rPr lang="en-US" dirty="0" smtClean="0">
+                <a:latin typeface="Courier New" pitchFamily="49" charset="0"/>
+                <a:cs typeface="Courier New" pitchFamily="49" charset="0"/>
+              </a:rPr>
+              <a:t>org.csstudio.diag.probe</a:t>
+            </a:r>
+            <a:r>
+              <a:rPr lang="en-US" dirty="0" smtClean="0">
+                <a:latin typeface="Courier New" pitchFamily="49" charset="0"/>
+                <a:cs typeface="Courier New" pitchFamily="49" charset="0"/>
+              </a:rPr>
+              <a:t>/</a:t>
+            </a:r>
+          </a:p>
+          <a:p>
+            <a:r>
+              <a:rPr lang="en-US" dirty="0">
+                <a:latin typeface="Courier New" pitchFamily="49" charset="0"/>
+                <a:cs typeface="Courier New" pitchFamily="49" charset="0"/>
+              </a:rPr>
+              <a:t> </a:t>
+            </a:r>
+            <a:r>
+              <a:rPr lang="en-US" dirty="0" smtClean="0">
+                <a:latin typeface="Courier New" pitchFamily="49" charset="0"/>
+                <a:cs typeface="Courier New" pitchFamily="49" charset="0"/>
+              </a:rPr>
+              <a:t>   </a:t>
+            </a:r>
+            <a:r>
+              <a:rPr lang="en-US" dirty="0" smtClean="0">
+                <a:latin typeface="Courier New" pitchFamily="49" charset="0"/>
+                <a:cs typeface="Courier New" pitchFamily="49" charset="0"/>
+              </a:rPr>
+              <a:t>src</a:t>
+            </a:r>
+            <a:r>
+              <a:rPr lang="en-US" dirty="0" smtClean="0">
+                <a:latin typeface="Courier New" pitchFamily="49" charset="0"/>
+                <a:cs typeface="Courier New" pitchFamily="49" charset="0"/>
+              </a:rPr>
+              <a:t>/</a:t>
+            </a:r>
+          </a:p>
+          <a:p>
+            <a:r>
+              <a:rPr lang="en-US" dirty="0">
+                <a:latin typeface="Courier New" pitchFamily="49" charset="0"/>
+                <a:cs typeface="Courier New" pitchFamily="49" charset="0"/>
+              </a:rPr>
+              <a:t> </a:t>
+            </a:r>
+            <a:r>
+              <a:rPr lang="en-US" dirty="0" smtClean="0">
+                <a:latin typeface="Courier New" pitchFamily="49" charset="0"/>
+                <a:cs typeface="Courier New" pitchFamily="49" charset="0"/>
+              </a:rPr>
+              <a:t>   plugin.xml</a:t>
+            </a:r>
+          </a:p>
+          <a:p>
+            <a:r>
+              <a:rPr lang="en-US" dirty="0">
+                <a:latin typeface="Courier New" pitchFamily="49" charset="0"/>
+                <a:cs typeface="Courier New" pitchFamily="49" charset="0"/>
+              </a:rPr>
+              <a:t> </a:t>
+            </a:r>
+            <a:r>
+              <a:rPr lang="en-US" dirty="0" smtClean="0">
+                <a:latin typeface="Courier New" pitchFamily="49" charset="0"/>
+                <a:cs typeface="Courier New" pitchFamily="49" charset="0"/>
+              </a:rPr>
+              <a:t>   …</a:t>
+            </a:r>
+            <a:endParaRPr lang="en-US" dirty="0" smtClean="0"/>
+          </a:p>
+          <a:p>
+            <a:endParaRPr lang="en-US" dirty="0"/>
+          </a:p>
+        </p:txBody>
+      </p:sp>
+      <p:sp>
+        <p:nvSpPr>
+          <p:cNvPr id="35" name="Content Placeholder 2"/>
+          <p:cNvSpPr txBox="1">
+            <a:spLocks/>
+          </p:cNvSpPr>
+          <p:nvPr/>
+        </p:nvSpPr>
+        <p:spPr>
+          <a:xfrm>
+            <a:off x="2743200" y="4459010"/>
+            <a:ext cx="762000" cy="715963"/>
+          </a:xfrm>
+          <a:prstGeom prst="rect">
+            <a:avLst/>
+          </a:prstGeom>
+        </p:spPr>
+        <p:txBody>
+          <a:bodyPr vert="horz" lIns="91440" tIns="45720" rIns="91440" bIns="45720" rtlCol="0">
+            <a:normAutofit/>
+          </a:bodyPr>
+          <a:lstStyle>
+            <a:lvl1pPr marL="342900" indent="-342900" algn="l" defTabSz="914400" rtl="0" eaLnBrk="1" latinLnBrk="0" hangingPunct="1">
+              <a:spcBef>
+                <a:spcPct val="20000"/>
+              </a:spcBef>
+              <a:buFont typeface="Arial" pitchFamily="34" charset="0"/>
+              <a:buChar char="•"/>
+              <a:defRPr sz="3200" kern="1200">
+                <a:solidFill>
+                  <a:schemeClr val="tx1"/>
+                </a:solidFill>
+                <a:latin typeface="+mn-lt"/>
+                <a:ea typeface="+mn-ea"/>
+                <a:cs typeface="+mn-cs"/>
+              </a:defRPr>
+            </a:lvl1pPr>
+            <a:lvl2pPr marL="742950" indent="-285750" algn="l" defTabSz="914400" rtl="0" eaLnBrk="1" latinLnBrk="0" hangingPunct="1">
+              <a:spcBef>
+                <a:spcPct val="20000"/>
+              </a:spcBef>
+              <a:buFont typeface="Arial" pitchFamily="34" charset="0"/>
+              <a:buChar char="–"/>
+              <a:defRPr sz="2800" kern="1200">
+                <a:solidFill>
+                  <a:schemeClr val="tx1"/>
+                </a:solidFill>
+                <a:latin typeface="+mn-lt"/>
+                <a:ea typeface="+mn-ea"/>
+                <a:cs typeface="+mn-cs"/>
+              </a:defRPr>
+            </a:lvl2pPr>
+            <a:lvl3pPr marL="1143000" indent="-228600" algn="l" defTabSz="914400" rtl="0" eaLnBrk="1" latinLnBrk="0" hangingPunct="1">
+              <a:spcBef>
+                <a:spcPct val="20000"/>
+              </a:spcBef>
+              <a:buFont typeface="Arial" pitchFamily="34" charset="0"/>
+              <a:buChar char="•"/>
+              <a:defRPr sz="2400" kern="1200">
+                <a:solidFill>
+                  <a:schemeClr val="tx1"/>
+                </a:solidFill>
+                <a:latin typeface="+mn-lt"/>
+                <a:ea typeface="+mn-ea"/>
+                <a:cs typeface="+mn-cs"/>
+              </a:defRPr>
+            </a:lvl3pPr>
+            <a:lvl4pPr marL="1600200" indent="-228600" algn="l" defTabSz="914400" rtl="0" eaLnBrk="1" latinLnBrk="0" hangingPunct="1">
+              <a:spcBef>
+                <a:spcPct val="20000"/>
+              </a:spcBef>
+              <a:buFont typeface="Arial" pitchFamily="34" charset="0"/>
+              <a:buChar char="–"/>
+              <a:defRPr sz="2000" kern="1200">
+                <a:solidFill>
+                  <a:schemeClr val="tx1"/>
+                </a:solidFill>
+                <a:latin typeface="+mn-lt"/>
+                <a:ea typeface="+mn-ea"/>
+                <a:cs typeface="+mn-cs"/>
+              </a:defRPr>
+            </a:lvl4pPr>
+            <a:lvl5pPr marL="2057400" indent="-228600" algn="l" defTabSz="914400" rtl="0" eaLnBrk="1" latinLnBrk="0" hangingPunct="1">
+              <a:spcBef>
+                <a:spcPct val="20000"/>
+              </a:spcBef>
+              <a:buFont typeface="Arial" pitchFamily="34" charset="0"/>
+              <a:buChar char="»"/>
+              <a:defRPr sz="2000" kern="1200">
+                <a:solidFill>
+                  <a:schemeClr val="tx1"/>
+                </a:solidFill>
+                <a:latin typeface="+mn-lt"/>
+                <a:ea typeface="+mn-ea"/>
+                <a:cs typeface="+mn-cs"/>
+              </a:defRPr>
+            </a:lvl5pPr>
+            <a:lvl6pPr marL="2514600" indent="-228600" algn="l" defTabSz="914400" rtl="0" eaLnBrk="1" latinLnBrk="0" hangingPunct="1">
+              <a:spcBef>
+                <a:spcPct val="20000"/>
+              </a:spcBef>
+              <a:buFont typeface="Arial" pitchFamily="34" charset="0"/>
+              <a:buChar char="•"/>
+              <a:defRPr sz="2000" kern="1200">
+                <a:solidFill>
+                  <a:schemeClr val="tx1"/>
+                </a:solidFill>
+                <a:latin typeface="+mn-lt"/>
+                <a:ea typeface="+mn-ea"/>
+                <a:cs typeface="+mn-cs"/>
+              </a:defRPr>
+            </a:lvl6pPr>
+            <a:lvl7pPr marL="2971800" indent="-228600" algn="l" defTabSz="914400" rtl="0" eaLnBrk="1" latinLnBrk="0" hangingPunct="1">
+              <a:spcBef>
+                <a:spcPct val="20000"/>
+              </a:spcBef>
+              <a:buFont typeface="Arial" pitchFamily="34" charset="0"/>
+              <a:buChar char="•"/>
+              <a:defRPr sz="2000" kern="1200">
+                <a:solidFill>
+                  <a:schemeClr val="tx1"/>
+                </a:solidFill>
+                <a:latin typeface="+mn-lt"/>
+                <a:ea typeface="+mn-ea"/>
+                <a:cs typeface="+mn-cs"/>
+              </a:defRPr>
+            </a:lvl7pPr>
+            <a:lvl8pPr marL="3429000" indent="-228600" algn="l" defTabSz="914400" rtl="0" eaLnBrk="1" latinLnBrk="0" hangingPunct="1">
+              <a:spcBef>
+                <a:spcPct val="20000"/>
+              </a:spcBef>
+              <a:buFont typeface="Arial" pitchFamily="34" charset="0"/>
+              <a:buChar char="•"/>
+              <a:defRPr sz="2000" kern="1200">
+                <a:solidFill>
+                  <a:schemeClr val="tx1"/>
+                </a:solidFill>
+                <a:latin typeface="+mn-lt"/>
+                <a:ea typeface="+mn-ea"/>
+                <a:cs typeface="+mn-cs"/>
+              </a:defRPr>
+            </a:lvl8pPr>
+            <a:lvl9pPr marL="3886200" indent="-228600" algn="l" defTabSz="914400" rtl="0" eaLnBrk="1" latinLnBrk="0" hangingPunct="1">
+              <a:spcBef>
+                <a:spcPct val="20000"/>
+              </a:spcBef>
+              <a:buFont typeface="Arial" pitchFamily="34" charset="0"/>
+              <a:buChar char="•"/>
+              <a:defRPr sz="2000" kern="1200">
+                <a:solidFill>
+                  <a:schemeClr val="tx1"/>
+                </a:solidFill>
+                <a:latin typeface="+mn-lt"/>
+                <a:ea typeface="+mn-ea"/>
+                <a:cs typeface="+mn-cs"/>
+              </a:defRPr>
+            </a:lvl9pPr>
+          </a:lstStyle>
+          <a:p>
+            <a:pPr marL="0" indent="0">
+              <a:buFont typeface="Arial" pitchFamily="34" charset="0"/>
+              <a:buNone/>
+            </a:pPr>
+            <a:r>
+              <a:rPr lang="en-US" dirty="0" smtClean="0"/>
+              <a:t>IDE</a:t>
+            </a:r>
+            <a:endParaRPr lang="en-US" dirty="0"/>
+          </a:p>
+        </p:txBody>
+      </p:sp>
+      <p:cxnSp>
+        <p:nvCxnSpPr>
+          <p:cNvPr id="37" name="Elbow Connector 36"/>
+          <p:cNvCxnSpPr>
+            <a:stCxn id="2" idx="3"/>
+          </p:cNvCxnSpPr>
+          <p:nvPr/>
+        </p:nvCxnSpPr>
+        <p:spPr>
+          <a:xfrm rot="16200000" flipH="1">
+            <a:off x="2623902" y="3396958"/>
+            <a:ext cx="925459" cy="1141942"/>
+          </a:xfrm>
+          <a:prstGeom prst="bentConnector2">
+            <a:avLst/>
+          </a:prstGeom>
+          <a:ln>
+            <a:prstDash val="sysDash"/>
+            <a:tailEnd type="triangle" w="lg" len="lg"/>
+          </a:ln>
+        </p:spPr>
+        <p:style>
+          <a:lnRef idx="2">
+            <a:schemeClr val="accent2"/>
+          </a:lnRef>
+          <a:fillRef idx="0">
+            <a:schemeClr val="accent2"/>
+          </a:fillRef>
+          <a:effectRef idx="1">
+            <a:schemeClr val="accent2"/>
+          </a:effectRef>
+          <a:fontRef idx="minor">
+            <a:schemeClr val="tx1"/>
+          </a:fontRef>
+        </p:style>
+      </p:cxnSp>
+      <p:cxnSp>
+        <p:nvCxnSpPr>
+          <p:cNvPr id="39" name="Elbow Connector 38"/>
+          <p:cNvCxnSpPr>
+            <a:stCxn id="33" idx="3"/>
+          </p:cNvCxnSpPr>
+          <p:nvPr/>
+        </p:nvCxnSpPr>
+        <p:spPr>
+          <a:xfrm rot="5400000">
+            <a:off x="5740340" y="3403664"/>
+            <a:ext cx="926800" cy="1129873"/>
+          </a:xfrm>
+          <a:prstGeom prst="bentConnector2">
+            <a:avLst/>
+          </a:prstGeom>
+          <a:ln>
+            <a:prstDash val="sysDash"/>
+            <a:tailEnd type="triangle" w="lg" len="lg"/>
+          </a:ln>
+        </p:spPr>
+        <p:style>
+          <a:lnRef idx="2">
+            <a:schemeClr val="accent2"/>
+          </a:lnRef>
+          <a:fillRef idx="0">
+            <a:schemeClr val="accent2"/>
+          </a:fillRef>
+          <a:effectRef idx="1">
+            <a:schemeClr val="accent2"/>
+          </a:effectRef>
+          <a:fontRef idx="minor">
+            <a:schemeClr val="tx1"/>
+          </a:fontRef>
+        </p:style>
+      </p:cxnSp>
+      <p:pic>
+        <p:nvPicPr>
+          <p:cNvPr id="1027" name="Picture 3"/>
+          <p:cNvPicPr>
+            <a:picLocks noChangeAspect="1" noChangeArrowheads="1"/>
+          </p:cNvPicPr>
+          <p:nvPr/>
+        </p:nvPicPr>
+        <p:blipFill>
+          <a:blip r:embed="rId2">
+            <a:extLst>
+              <a:ext uri="{28A0092B-C50C-407E-A947-70E740481C1C}">
+                <a14:useLocalDpi xmlns:a14="http://schemas.microsoft.com/office/drawing/2010/main" val="0"/>
+              </a:ext>
+            </a:extLst>
+          </a:blip>
+          <a:srcRect/>
+          <a:stretch>
+            <a:fillRect/>
+          </a:stretch>
+        </p:blipFill>
+        <p:spPr bwMode="auto">
+          <a:xfrm>
+            <a:off x="3637300" y="2971800"/>
+            <a:ext cx="2001503" cy="3513474"/>
+          </a:xfrm>
+          <a:prstGeom prst="rect">
+            <a:avLst/>
+          </a:prstGeom>
+          <a:noFill/>
+          <a:ln>
+            <a:noFill/>
+          </a:ln>
+          <a:effectLst/>
+          <a:extLst>
+            <a:ext uri="{909E8E84-426E-40DD-AFC4-6F175D3DCCD1}">
+              <a14:hiddenFill xmlns:a14="http://schemas.microsoft.com/office/drawing/2010/main">
+                <a:solidFill>
+                  <a:schemeClr val="accent1"/>
+                </a:solidFill>
+              </a14:hiddenFill>
+            </a:ext>
+            <a:ext uri="{91240B29-F687-4F45-9708-019B960494DF}">
+              <a14:hiddenLine xmlns:a14="http://schemas.microsoft.com/office/drawing/2010/main" w="9525">
+                <a:solidFill>
+                  <a:schemeClr val="tx1"/>
+                </a:solidFill>
+                <a:miter lim="800000"/>
+                <a:headEnd/>
+                <a:tailEnd/>
+              </a14:hiddenLine>
+            </a:ext>
+            <a:ext uri="{AF507438-7753-43E0-B8FC-AC1667EBCBE1}">
+              <a14:hiddenEffects xmlns:a14="http://schemas.microsoft.com/office/drawing/2010/main">
+                <a:effectLst>
+                  <a:outerShdw dist="35921" dir="2700000" algn="ctr" rotWithShape="0">
+                    <a:schemeClr val="bg2"/>
+                  </a:outerShdw>
+                </a:effectLst>
+              </a14:hiddenEffects>
+            </a:ext>
+          </a:extLst>
+        </p:spPr>
+      </p:pic>
+    </p:spTree>
+    <p:extLst>
+      <p:ext uri="{BB962C8B-B14F-4D97-AF65-F5344CB8AC3E}">
+        <p14:creationId xmlns:p14="http://schemas.microsoft.com/office/powerpoint/2010/main" val="3509810298"/>
+      </p:ext>
+    </p:extLst>
+  </p:cSld>
+  <p:clrMapOvr>
+    <a:masterClrMapping/>
+  </p:clrMapOvr>
+  <p:timing>
+    <p:tnLst>
+      <p:par>
+        <p:cTn id="1" dur="indefinite" restart="never" nodeType="tmRoot"/>
+      </p:par>
+    </p:tnLst>
+  </p:timing>
+</p:sld>
+</file>
+
+<file path=ppt/slides/slide3.xml><?xml version="1.0" encoding="utf-8"?>
+<p:sld xmlns:a="http://schemas.openxmlformats.org/drawingml/2006/main" xmlns:r="http://schemas.openxmlformats.org/officeDocument/2006/relationships" xmlns:p="http://schemas.openxmlformats.org/presentationml/2006/main">
+  <p:cSld>
+    <p:spTree>
+      <p:nvGrpSpPr>
+        <p:cNvPr id="1" name=""/>
+        <p:cNvGrpSpPr/>
+        <p:nvPr/>
+      </p:nvGrpSpPr>
+      <p:grpSpPr>
+        <a:xfrm>
+          <a:off x="0" y="0"/>
+          <a:ext cx="0" cy="0"/>
+          <a:chOff x="0" y="0"/>
+          <a:chExt cx="0" cy="0"/>
+        </a:xfrm>
+      </p:grpSpPr>
+      <p:sp>
+        <p:nvSpPr>
           <p:cNvPr id="4" name="Cube 3"/>
           <p:cNvSpPr/>
           <p:nvPr/>
@@ -3799,14 +4465,13 @@
             <a:p>
               <a:pPr algn="ctr"/>
               <a:r>
-                <a:rPr lang="en-US" sz="1600" dirty="0" err="1"/>
+                <a:rPr lang="en-US" sz="1600" dirty="0"/>
                 <a:t>o</a:t>
               </a:r>
               <a:r>
-                <a:rPr lang="en-US" sz="1600" dirty="0" err="1" smtClean="0"/>
+                <a:rPr lang="en-US" sz="1600" dirty="0" smtClean="0"/>
                 <a:t>rg.eclipse.core.runtime</a:t>
               </a:r>
-              <a:endParaRPr lang="en-US" sz="1600" dirty="0" smtClean="0"/>
             </a:p>
           </p:txBody>
         </p:sp>
@@ -3973,7 +4638,7 @@
             <a:p>
               <a:pPr algn="ctr"/>
               <a:r>
-                <a:rPr lang="en-US" sz="1600" dirty="0" err="1" smtClean="0"/>
+                <a:rPr lang="en-US" sz="1600" dirty="0" smtClean="0"/>
                 <a:t>org.cs-studio.data</a:t>
               </a:r>
               <a:endParaRPr lang="en-US" sz="1600" dirty="0" smtClean="0"/>
@@ -4112,7 +4777,7 @@
             <a:p>
               <a:pPr algn="ctr"/>
               <a:r>
-                <a:rPr lang="en-US" sz="1600" dirty="0" err="1" smtClean="0"/>
+                <a:rPr lang="en-US" sz="1600" dirty="0" smtClean="0"/>
                 <a:t>org.cs-studio.display.probe</a:t>
               </a:r>
               <a:endParaRPr lang="en-US" sz="1600" dirty="0" smtClean="0"/>
@@ -4526,7 +5191,610 @@
     </p:spTree>
     <p:extLst>
       <p:ext uri="{BB962C8B-B14F-4D97-AF65-F5344CB8AC3E}">
-        <p14:creationId xmlns:p14="http://schemas.microsoft.com/office/powerpoint/2010/main" val="3509810298"/>
+        <p14:creationId xmlns:p14="http://schemas.microsoft.com/office/powerpoint/2010/main" val="1214655037"/>
+      </p:ext>
+    </p:extLst>
+  </p:cSld>
+  <p:clrMapOvr>
+    <a:masterClrMapping/>
+  </p:clrMapOvr>
+  <p:timing>
+    <p:tnLst>
+      <p:par>
+        <p:cTn id="1" dur="indefinite" restart="never" nodeType="tmRoot"/>
+      </p:par>
+    </p:tnLst>
+  </p:timing>
+</p:sld>
+</file>
+
+<file path=ppt/slides/slide4.xml><?xml version="1.0" encoding="utf-8"?>
+<p:sld xmlns:a="http://schemas.openxmlformats.org/drawingml/2006/main" xmlns:r="http://schemas.openxmlformats.org/officeDocument/2006/relationships" xmlns:p="http://schemas.openxmlformats.org/presentationml/2006/main">
+  <p:cSld>
+    <p:spTree>
+      <p:nvGrpSpPr>
+        <p:cNvPr id="1" name=""/>
+        <p:cNvGrpSpPr/>
+        <p:nvPr/>
+      </p:nvGrpSpPr>
+      <p:grpSpPr>
+        <a:xfrm>
+          <a:off x="0" y="0"/>
+          <a:ext cx="0" cy="0"/>
+          <a:chOff x="0" y="0"/>
+          <a:chExt cx="0" cy="0"/>
+        </a:xfrm>
+      </p:grpSpPr>
+      <p:cxnSp>
+        <p:nvCxnSpPr>
+          <p:cNvPr id="37" name="Elbow Connector 36"/>
+          <p:cNvCxnSpPr>
+            <a:stCxn id="13" idx="4"/>
+            <a:endCxn id="2052" idx="1"/>
+          </p:cNvCxnSpPr>
+          <p:nvPr/>
+        </p:nvCxnSpPr>
+        <p:spPr>
+          <a:xfrm>
+            <a:off x="4286070" y="4528905"/>
+            <a:ext cx="729491" cy="3267"/>
+          </a:xfrm>
+          <a:prstGeom prst="straightConnector1">
+            <a:avLst/>
+          </a:prstGeom>
+          <a:ln>
+            <a:prstDash val="sysDash"/>
+            <a:tailEnd type="triangle" w="lg" len="lg"/>
+          </a:ln>
+        </p:spPr>
+        <p:style>
+          <a:lnRef idx="2">
+            <a:schemeClr val="accent2"/>
+          </a:lnRef>
+          <a:fillRef idx="0">
+            <a:schemeClr val="accent2"/>
+          </a:fillRef>
+          <a:effectRef idx="1">
+            <a:schemeClr val="accent2"/>
+          </a:effectRef>
+          <a:fontRef idx="minor">
+            <a:schemeClr val="tx1"/>
+          </a:fontRef>
+        </p:style>
+      </p:cxnSp>
+      <p:cxnSp>
+        <p:nvCxnSpPr>
+          <p:cNvPr id="39" name="Elbow Connector 38"/>
+          <p:cNvCxnSpPr>
+            <a:stCxn id="2051" idx="3"/>
+            <a:endCxn id="9" idx="4"/>
+          </p:cNvCxnSpPr>
+          <p:nvPr/>
+        </p:nvCxnSpPr>
+        <p:spPr>
+          <a:xfrm flipH="1">
+            <a:off x="4020879" y="1314450"/>
+            <a:ext cx="3786428" cy="0"/>
+          </a:xfrm>
+          <a:prstGeom prst="straightConnector1">
+            <a:avLst/>
+          </a:prstGeom>
+          <a:ln>
+            <a:prstDash val="sysDash"/>
+            <a:tailEnd type="triangle" w="lg" len="lg"/>
+          </a:ln>
+        </p:spPr>
+        <p:style>
+          <a:lnRef idx="2">
+            <a:schemeClr val="accent2"/>
+          </a:lnRef>
+          <a:fillRef idx="0">
+            <a:schemeClr val="accent2"/>
+          </a:fillRef>
+          <a:effectRef idx="1">
+            <a:schemeClr val="accent2"/>
+          </a:effectRef>
+          <a:fontRef idx="minor">
+            <a:schemeClr val="tx1"/>
+          </a:fontRef>
+        </p:style>
+      </p:cxnSp>
+      <p:sp>
+        <p:nvSpPr>
+          <p:cNvPr id="9" name="Flowchart: Magnetic Disk 8"/>
+          <p:cNvSpPr/>
+          <p:nvPr/>
+        </p:nvSpPr>
+        <p:spPr>
+          <a:xfrm>
+            <a:off x="363279" y="171450"/>
+            <a:ext cx="3657600" cy="2286000"/>
+          </a:xfrm>
+          <a:prstGeom prst="flowChartMagneticDisk">
+            <a:avLst/>
+          </a:prstGeom>
+        </p:spPr>
+        <p:style>
+          <a:lnRef idx="1">
+            <a:schemeClr val="accent1"/>
+          </a:lnRef>
+          <a:fillRef idx="2">
+            <a:schemeClr val="accent1"/>
+          </a:fillRef>
+          <a:effectRef idx="1">
+            <a:schemeClr val="accent1"/>
+          </a:effectRef>
+          <a:fontRef idx="minor">
+            <a:schemeClr val="dk1"/>
+          </a:fontRef>
+        </p:style>
+        <p:txBody>
+          <a:bodyPr rtlCol="0" anchor="ctr"/>
+          <a:lstStyle/>
+          <a:p>
+            <a:pPr algn="ctr"/>
+            <a:r>
+              <a:rPr lang="en-US" sz="2400" dirty="0" smtClean="0"/>
+              <a:t>Build Directory Layout</a:t>
+            </a:r>
+          </a:p>
+          <a:p>
+            <a:pPr algn="ctr"/>
+            <a:endParaRPr lang="en-US" dirty="0"/>
+          </a:p>
+          <a:p>
+            <a:r>
+              <a:rPr lang="en-US" dirty="0" smtClean="0">
+                <a:latin typeface="Courier New" pitchFamily="49" charset="0"/>
+                <a:cs typeface="Courier New" pitchFamily="49" charset="0"/>
+              </a:rPr>
+              <a:t>features/</a:t>
+            </a:r>
+          </a:p>
+          <a:p>
+            <a:r>
+              <a:rPr lang="en-US" dirty="0">
+                <a:latin typeface="Courier New" pitchFamily="49" charset="0"/>
+                <a:cs typeface="Courier New" pitchFamily="49" charset="0"/>
+              </a:rPr>
+              <a:t> </a:t>
+            </a:r>
+            <a:r>
+              <a:rPr lang="en-US" dirty="0" smtClean="0">
+                <a:latin typeface="Courier New" pitchFamily="49" charset="0"/>
+                <a:cs typeface="Courier New" pitchFamily="49" charset="0"/>
+              </a:rPr>
+              <a:t>  org.csstudio.*.feature</a:t>
+            </a:r>
+          </a:p>
+          <a:p>
+            <a:r>
+              <a:rPr lang="en-US" dirty="0" smtClean="0">
+                <a:latin typeface="Courier New" pitchFamily="49" charset="0"/>
+                <a:cs typeface="Courier New" pitchFamily="49" charset="0"/>
+              </a:rPr>
+              <a:t>plugins/</a:t>
+            </a:r>
+          </a:p>
+          <a:p>
+            <a:r>
+              <a:rPr lang="en-US" dirty="0" smtClean="0">
+                <a:latin typeface="Courier New" pitchFamily="49" charset="0"/>
+                <a:cs typeface="Courier New" pitchFamily="49" charset="0"/>
+              </a:rPr>
+              <a:t>   org.csstudio.*</a:t>
+            </a:r>
+            <a:endParaRPr lang="en-US" dirty="0">
+              <a:latin typeface="Courier New" pitchFamily="49" charset="0"/>
+              <a:cs typeface="Courier New" pitchFamily="49" charset="0"/>
+            </a:endParaRPr>
+          </a:p>
+          <a:p>
+            <a:pPr algn="ctr"/>
+            <a:endParaRPr lang="en-US" dirty="0"/>
+          </a:p>
+        </p:txBody>
+      </p:sp>
+      <p:pic>
+        <p:nvPicPr>
+          <p:cNvPr id="2051" name="Picture 3"/>
+          <p:cNvPicPr>
+            <a:picLocks noChangeAspect="1" noChangeArrowheads="1"/>
+          </p:cNvPicPr>
+          <p:nvPr/>
+        </p:nvPicPr>
+        <p:blipFill>
+          <a:blip r:embed="rId2">
+            <a:extLst>
+              <a:ext uri="{28A0092B-C50C-407E-A947-70E740481C1C}">
+                <a14:useLocalDpi xmlns:a14="http://schemas.microsoft.com/office/drawing/2010/main" val="0"/>
+              </a:ext>
+            </a:extLst>
+          </a:blip>
+          <a:srcRect/>
+          <a:stretch>
+            <a:fillRect/>
+          </a:stretch>
+        </p:blipFill>
+        <p:spPr bwMode="auto">
+          <a:xfrm>
+            <a:off x="5045057" y="381000"/>
+            <a:ext cx="2762250" cy="1866900"/>
+          </a:xfrm>
+          <a:prstGeom prst="rect">
+            <a:avLst/>
+          </a:prstGeom>
+          <a:noFill/>
+          <a:ln>
+            <a:noFill/>
+          </a:ln>
+          <a:effectLst/>
+          <a:extLst>
+            <a:ext uri="{909E8E84-426E-40DD-AFC4-6F175D3DCCD1}">
+              <a14:hiddenFill xmlns:a14="http://schemas.microsoft.com/office/drawing/2010/main">
+                <a:solidFill>
+                  <a:schemeClr val="accent1"/>
+                </a:solidFill>
+              </a14:hiddenFill>
+            </a:ext>
+            <a:ext uri="{91240B29-F687-4F45-9708-019B960494DF}">
+              <a14:hiddenLine xmlns:a14="http://schemas.microsoft.com/office/drawing/2010/main" w="9525">
+                <a:solidFill>
+                  <a:schemeClr val="tx1"/>
+                </a:solidFill>
+                <a:miter lim="800000"/>
+                <a:headEnd/>
+                <a:tailEnd/>
+              </a14:hiddenLine>
+            </a:ext>
+            <a:ext uri="{AF507438-7753-43E0-B8FC-AC1667EBCBE1}">
+              <a14:hiddenEffects xmlns:a14="http://schemas.microsoft.com/office/drawing/2010/main">
+                <a:effectLst>
+                  <a:outerShdw dist="35921" dir="2700000" algn="ctr" rotWithShape="0">
+                    <a:schemeClr val="bg2"/>
+                  </a:outerShdw>
+                </a:effectLst>
+              </a14:hiddenEffects>
+            </a:ext>
+          </a:extLst>
+        </p:spPr>
+      </p:pic>
+      <p:sp>
+        <p:nvSpPr>
+          <p:cNvPr id="13" name="Cube 12"/>
+          <p:cNvSpPr/>
+          <p:nvPr/>
+        </p:nvSpPr>
+        <p:spPr>
+          <a:xfrm>
+            <a:off x="304800" y="3056879"/>
+            <a:ext cx="4038600" cy="2886721"/>
+          </a:xfrm>
+          <a:prstGeom prst="cube">
+            <a:avLst>
+              <a:gd name="adj" fmla="val 1986"/>
+            </a:avLst>
+          </a:prstGeom>
+        </p:spPr>
+        <p:style>
+          <a:lnRef idx="1">
+            <a:schemeClr val="accent1"/>
+          </a:lnRef>
+          <a:fillRef idx="2">
+            <a:schemeClr val="accent1"/>
+          </a:fillRef>
+          <a:effectRef idx="1">
+            <a:schemeClr val="accent1"/>
+          </a:effectRef>
+          <a:fontRef idx="minor">
+            <a:schemeClr val="dk1"/>
+          </a:fontRef>
+        </p:style>
+        <p:txBody>
+          <a:bodyPr rtlCol="0" anchor="ctr"/>
+          <a:lstStyle/>
+          <a:p>
+            <a:pPr algn="ctr"/>
+            <a:r>
+              <a:rPr lang="en-US" sz="2400" dirty="0" smtClean="0"/>
+              <a:t>build.properties</a:t>
+            </a:r>
+            <a:endParaRPr lang="en-US" sz="2400" dirty="0" smtClean="0"/>
+          </a:p>
+          <a:p>
+            <a:pPr algn="ctr"/>
+            <a:endParaRPr lang="en-US" sz="1100" dirty="0" smtClean="0">
+              <a:latin typeface="Courier New" pitchFamily="49" charset="0"/>
+              <a:cs typeface="Courier New" pitchFamily="49" charset="0"/>
+            </a:endParaRPr>
+          </a:p>
+          <a:p>
+            <a:r>
+              <a:rPr lang="en-US" sz="1100" dirty="0">
+                <a:latin typeface="Courier New" pitchFamily="49" charset="0"/>
+                <a:cs typeface="Courier New" pitchFamily="49" charset="0"/>
+              </a:rPr>
+              <a:t># Product to build</a:t>
+            </a:r>
+          </a:p>
+          <a:p>
+            <a:r>
+              <a:rPr lang="en-US" sz="1100" dirty="0">
+                <a:latin typeface="Courier New" pitchFamily="49" charset="0"/>
+                <a:cs typeface="Courier New" pitchFamily="49" charset="0"/>
+              </a:rPr>
+              <a:t>product=/</a:t>
+            </a:r>
+            <a:r>
+              <a:rPr lang="en-US" sz="1100" dirty="0" smtClean="0">
+                <a:latin typeface="Courier New" pitchFamily="49" charset="0"/>
+                <a:cs typeface="Courier New" pitchFamily="49" charset="0"/>
+              </a:rPr>
+              <a:t>org.csstudio.….product/</a:t>
+            </a:r>
+            <a:r>
+              <a:rPr lang="en-US" sz="1100" dirty="0" smtClean="0">
+                <a:latin typeface="Courier New" pitchFamily="49" charset="0"/>
+                <a:cs typeface="Courier New" pitchFamily="49" charset="0"/>
+              </a:rPr>
+              <a:t>css.product</a:t>
+            </a:r>
+            <a:endParaRPr lang="en-US" sz="1100" dirty="0">
+              <a:latin typeface="Courier New" pitchFamily="49" charset="0"/>
+              <a:cs typeface="Courier New" pitchFamily="49" charset="0"/>
+            </a:endParaRPr>
+          </a:p>
+          <a:p>
+            <a:endParaRPr lang="en-US" sz="1100" dirty="0" smtClean="0">
+              <a:latin typeface="Courier New" pitchFamily="49" charset="0"/>
+              <a:cs typeface="Courier New" pitchFamily="49" charset="0"/>
+            </a:endParaRPr>
+          </a:p>
+          <a:p>
+            <a:r>
+              <a:rPr lang="en-US" sz="1100" dirty="0" smtClean="0">
+                <a:latin typeface="Courier New" pitchFamily="49" charset="0"/>
+                <a:cs typeface="Courier New" pitchFamily="49" charset="0"/>
+              </a:rPr>
+              <a:t># </a:t>
+            </a:r>
+            <a:r>
+              <a:rPr lang="en-US" sz="1100" dirty="0">
+                <a:latin typeface="Courier New" pitchFamily="49" charset="0"/>
+                <a:cs typeface="Courier New" pitchFamily="49" charset="0"/>
+              </a:rPr>
+              <a:t>Generate P2 </a:t>
+            </a:r>
+            <a:r>
+              <a:rPr lang="en-US" sz="1100" dirty="0" smtClean="0">
+                <a:latin typeface="Courier New" pitchFamily="49" charset="0"/>
+                <a:cs typeface="Courier New" pitchFamily="49" charset="0"/>
+              </a:rPr>
+              <a:t>repository</a:t>
+            </a:r>
+          </a:p>
+          <a:p>
+            <a:r>
+              <a:rPr lang="en-US" sz="1100" dirty="0" smtClean="0">
+                <a:latin typeface="Courier New" pitchFamily="49" charset="0"/>
+                <a:cs typeface="Courier New" pitchFamily="49" charset="0"/>
+              </a:rPr>
+              <a:t>p2.gathering=true</a:t>
+            </a:r>
+            <a:endParaRPr lang="en-US" sz="1100" dirty="0">
+              <a:latin typeface="Courier New" pitchFamily="49" charset="0"/>
+              <a:cs typeface="Courier New" pitchFamily="49" charset="0"/>
+            </a:endParaRPr>
+          </a:p>
+          <a:p>
+            <a:endParaRPr lang="en-US" sz="1100" dirty="0">
+              <a:latin typeface="Courier New" pitchFamily="49" charset="0"/>
+              <a:cs typeface="Courier New" pitchFamily="49" charset="0"/>
+            </a:endParaRPr>
+          </a:p>
+          <a:p>
+            <a:r>
+              <a:rPr lang="en-US" sz="1100" dirty="0">
+                <a:latin typeface="Courier New" pitchFamily="49" charset="0"/>
+                <a:cs typeface="Courier New" pitchFamily="49" charset="0"/>
+              </a:rPr>
+              <a:t># </a:t>
+            </a:r>
+            <a:r>
+              <a:rPr lang="en-US" sz="1100" dirty="0" smtClean="0">
+                <a:latin typeface="Courier New" pitchFamily="49" charset="0"/>
+                <a:cs typeface="Courier New" pitchFamily="49" charset="0"/>
+              </a:rPr>
+              <a:t>Name of generated archive</a:t>
+            </a:r>
+            <a:endParaRPr lang="en-US" sz="1100" dirty="0">
+              <a:latin typeface="Courier New" pitchFamily="49" charset="0"/>
+              <a:cs typeface="Courier New" pitchFamily="49" charset="0"/>
+            </a:endParaRPr>
+          </a:p>
+          <a:p>
+            <a:r>
+              <a:rPr lang="en-US" sz="1100" dirty="0" smtClean="0">
+                <a:latin typeface="Courier New" pitchFamily="49" charset="0"/>
+                <a:cs typeface="Courier New" pitchFamily="49" charset="0"/>
+              </a:rPr>
+              <a:t>archivePrefix</a:t>
+            </a:r>
+            <a:r>
+              <a:rPr lang="en-US" sz="1100" dirty="0" smtClean="0">
+                <a:latin typeface="Courier New" pitchFamily="49" charset="0"/>
+                <a:cs typeface="Courier New" pitchFamily="49" charset="0"/>
+              </a:rPr>
+              <a:t>=css_3.0</a:t>
+            </a:r>
+          </a:p>
+          <a:p>
+            <a:endParaRPr lang="en-US" sz="1100" dirty="0">
+              <a:latin typeface="Courier New" pitchFamily="49" charset="0"/>
+              <a:cs typeface="Courier New" pitchFamily="49" charset="0"/>
+            </a:endParaRPr>
+          </a:p>
+          <a:p>
+            <a:r>
+              <a:rPr lang="en-US" sz="1100" dirty="0">
+                <a:latin typeface="Courier New" pitchFamily="49" charset="0"/>
+                <a:cs typeface="Courier New" pitchFamily="49" charset="0"/>
+              </a:rPr>
+              <a:t># </a:t>
+            </a:r>
+            <a:r>
+              <a:rPr lang="en-US" sz="1100" dirty="0" smtClean="0">
+                <a:latin typeface="Courier New" pitchFamily="49" charset="0"/>
+                <a:cs typeface="Courier New" pitchFamily="49" charset="0"/>
+              </a:rPr>
+              <a:t>Configurations </a:t>
+            </a:r>
+            <a:r>
+              <a:rPr lang="en-US" sz="1100" dirty="0">
+                <a:latin typeface="Courier New" pitchFamily="49" charset="0"/>
+                <a:cs typeface="Courier New" pitchFamily="49" charset="0"/>
+              </a:rPr>
+              <a:t>to build</a:t>
+            </a:r>
+            <a:r>
+              <a:rPr lang="en-US" sz="1100" dirty="0" smtClean="0">
+                <a:latin typeface="Courier New" pitchFamily="49" charset="0"/>
+                <a:cs typeface="Courier New" pitchFamily="49" charset="0"/>
+              </a:rPr>
+              <a:t>.</a:t>
+            </a:r>
+          </a:p>
+          <a:p>
+            <a:r>
+              <a:rPr lang="en-US" sz="1100" dirty="0" smtClean="0">
+                <a:latin typeface="Courier New" pitchFamily="49" charset="0"/>
+                <a:cs typeface="Courier New" pitchFamily="49" charset="0"/>
+              </a:rPr>
+              <a:t>configs</a:t>
+            </a:r>
+            <a:r>
+              <a:rPr lang="en-US" sz="1100" dirty="0" smtClean="0">
+                <a:latin typeface="Courier New" pitchFamily="49" charset="0"/>
+                <a:cs typeface="Courier New" pitchFamily="49" charset="0"/>
+              </a:rPr>
+              <a:t>=win32,win32,x86  </a:t>
+            </a:r>
+            <a:r>
+              <a:rPr lang="en-US" sz="1100" dirty="0">
+                <a:latin typeface="Courier New" pitchFamily="49" charset="0"/>
+                <a:cs typeface="Courier New" pitchFamily="49" charset="0"/>
+              </a:rPr>
+              <a:t>&amp;  linux,gtk,x86_64</a:t>
+            </a:r>
+          </a:p>
+        </p:txBody>
+      </p:sp>
+      <p:pic>
+        <p:nvPicPr>
+          <p:cNvPr id="2052" name="Picture 4"/>
+          <p:cNvPicPr>
+            <a:picLocks noChangeAspect="1" noChangeArrowheads="1"/>
+          </p:cNvPicPr>
+          <p:nvPr/>
+        </p:nvPicPr>
+        <p:blipFill>
+          <a:blip r:embed="rId3">
+            <a:extLst>
+              <a:ext uri="{28A0092B-C50C-407E-A947-70E740481C1C}">
+                <a14:useLocalDpi xmlns:a14="http://schemas.microsoft.com/office/drawing/2010/main" val="0"/>
+              </a:ext>
+            </a:extLst>
+          </a:blip>
+          <a:srcRect/>
+          <a:stretch>
+            <a:fillRect/>
+          </a:stretch>
+        </p:blipFill>
+        <p:spPr bwMode="auto">
+          <a:xfrm>
+            <a:off x="5015561" y="3912724"/>
+            <a:ext cx="3006388" cy="1238896"/>
+          </a:xfrm>
+          <a:prstGeom prst="rect">
+            <a:avLst/>
+          </a:prstGeom>
+          <a:noFill/>
+          <a:ln>
+            <a:noFill/>
+          </a:ln>
+          <a:effectLst/>
+          <a:extLst>
+            <a:ext uri="{909E8E84-426E-40DD-AFC4-6F175D3DCCD1}">
+              <a14:hiddenFill xmlns:a14="http://schemas.microsoft.com/office/drawing/2010/main">
+                <a:solidFill>
+                  <a:schemeClr val="accent1"/>
+                </a:solidFill>
+              </a14:hiddenFill>
+            </a:ext>
+            <a:ext uri="{91240B29-F687-4F45-9708-019B960494DF}">
+              <a14:hiddenLine xmlns:a14="http://schemas.microsoft.com/office/drawing/2010/main" w="9525">
+                <a:solidFill>
+                  <a:schemeClr val="tx1"/>
+                </a:solidFill>
+                <a:miter lim="800000"/>
+                <a:headEnd/>
+                <a:tailEnd/>
+              </a14:hiddenLine>
+            </a:ext>
+            <a:ext uri="{AF507438-7753-43E0-B8FC-AC1667EBCBE1}">
+              <a14:hiddenEffects xmlns:a14="http://schemas.microsoft.com/office/drawing/2010/main">
+                <a:effectLst>
+                  <a:outerShdw dist="35921" dir="2700000" algn="ctr" rotWithShape="0">
+                    <a:schemeClr val="bg2"/>
+                  </a:outerShdw>
+                </a:effectLst>
+              </a14:hiddenEffects>
+            </a:ext>
+          </a:extLst>
+        </p:spPr>
+      </p:pic>
+      <p:sp>
+        <p:nvSpPr>
+          <p:cNvPr id="34" name="Plus 33"/>
+          <p:cNvSpPr/>
+          <p:nvPr/>
+        </p:nvSpPr>
+        <p:spPr>
+          <a:xfrm>
+            <a:off x="1934980" y="2568847"/>
+            <a:ext cx="574158" cy="411164"/>
+          </a:xfrm>
+          <a:prstGeom prst="mathPlus">
+            <a:avLst/>
+          </a:prstGeom>
+        </p:spPr>
+        <p:style>
+          <a:lnRef idx="3">
+            <a:schemeClr val="lt1"/>
+          </a:lnRef>
+          <a:fillRef idx="1">
+            <a:schemeClr val="accent2"/>
+          </a:fillRef>
+          <a:effectRef idx="1">
+            <a:schemeClr val="accent2"/>
+          </a:effectRef>
+          <a:fontRef idx="minor">
+            <a:schemeClr val="lt1"/>
+          </a:fontRef>
+        </p:style>
+        <p:txBody>
+          <a:bodyPr rtlCol="0" anchor="ctr"/>
+          <a:lstStyle/>
+          <a:p>
+            <a:pPr algn="ctr"/>
+            <a:endParaRPr lang="en-US" dirty="0"/>
+          </a:p>
+        </p:txBody>
+      </p:sp>
+    </p:spTree>
+    <p:extLst>
+      <p:ext uri="{BB962C8B-B14F-4D97-AF65-F5344CB8AC3E}">
+        <p14:creationId xmlns:p14="http://schemas.microsoft.com/office/powerpoint/2010/main" val="214829920"/>
       </p:ext>
     </p:extLst>
   </p:cSld>

--- a/src/slides.pptx
+++ b/src/slides.pptx
@@ -9,6 +9,7 @@
     <p:sldId id="260" r:id="rId3"/>
     <p:sldId id="261" r:id="rId4"/>
     <p:sldId id="263" r:id="rId5"/>
+    <p:sldId id="264" r:id="rId6"/>
   </p:sldIdLst>
   <p:sldSz cx="9144000" cy="6858000" type="screen4x3"/>
   <p:notesSz cx="6858000" cy="9144000"/>
@@ -291,7 +292,7 @@
           <a:p>
             <a:fld id="{FCD849ED-D095-4409-898A-E3F8B21476F0}" type="datetimeFigureOut">
               <a:rPr lang="en-US" smtClean="0"/>
-              <a:t>8/2/2011</a:t>
+              <a:t>8/3/2011</a:t>
             </a:fld>
             <a:endParaRPr lang="en-US" dirty="0"/>
           </a:p>
@@ -461,7 +462,7 @@
           <a:p>
             <a:fld id="{FCD849ED-D095-4409-898A-E3F8B21476F0}" type="datetimeFigureOut">
               <a:rPr lang="en-US" smtClean="0"/>
-              <a:t>8/2/2011</a:t>
+              <a:t>8/3/2011</a:t>
             </a:fld>
             <a:endParaRPr lang="en-US" dirty="0"/>
           </a:p>
@@ -641,7 +642,7 @@
           <a:p>
             <a:fld id="{FCD849ED-D095-4409-898A-E3F8B21476F0}" type="datetimeFigureOut">
               <a:rPr lang="en-US" smtClean="0"/>
-              <a:t>8/2/2011</a:t>
+              <a:t>8/3/2011</a:t>
             </a:fld>
             <a:endParaRPr lang="en-US" dirty="0"/>
           </a:p>
@@ -811,7 +812,7 @@
           <a:p>
             <a:fld id="{FCD849ED-D095-4409-898A-E3F8B21476F0}" type="datetimeFigureOut">
               <a:rPr lang="en-US" smtClean="0"/>
-              <a:t>8/2/2011</a:t>
+              <a:t>8/3/2011</a:t>
             </a:fld>
             <a:endParaRPr lang="en-US" dirty="0"/>
           </a:p>
@@ -1057,7 +1058,7 @@
           <a:p>
             <a:fld id="{FCD849ED-D095-4409-898A-E3F8B21476F0}" type="datetimeFigureOut">
               <a:rPr lang="en-US" smtClean="0"/>
-              <a:t>8/2/2011</a:t>
+              <a:t>8/3/2011</a:t>
             </a:fld>
             <a:endParaRPr lang="en-US" dirty="0"/>
           </a:p>
@@ -1345,7 +1346,7 @@
           <a:p>
             <a:fld id="{FCD849ED-D095-4409-898A-E3F8B21476F0}" type="datetimeFigureOut">
               <a:rPr lang="en-US" smtClean="0"/>
-              <a:t>8/2/2011</a:t>
+              <a:t>8/3/2011</a:t>
             </a:fld>
             <a:endParaRPr lang="en-US" dirty="0"/>
           </a:p>
@@ -1767,7 +1768,7 @@
           <a:p>
             <a:fld id="{FCD849ED-D095-4409-898A-E3F8B21476F0}" type="datetimeFigureOut">
               <a:rPr lang="en-US" smtClean="0"/>
-              <a:t>8/2/2011</a:t>
+              <a:t>8/3/2011</a:t>
             </a:fld>
             <a:endParaRPr lang="en-US" dirty="0"/>
           </a:p>
@@ -1885,7 +1886,7 @@
           <a:p>
             <a:fld id="{FCD849ED-D095-4409-898A-E3F8B21476F0}" type="datetimeFigureOut">
               <a:rPr lang="en-US" smtClean="0"/>
-              <a:t>8/2/2011</a:t>
+              <a:t>8/3/2011</a:t>
             </a:fld>
             <a:endParaRPr lang="en-US" dirty="0"/>
           </a:p>
@@ -1980,7 +1981,7 @@
           <a:p>
             <a:fld id="{FCD849ED-D095-4409-898A-E3F8B21476F0}" type="datetimeFigureOut">
               <a:rPr lang="en-US" smtClean="0"/>
-              <a:t>8/2/2011</a:t>
+              <a:t>8/3/2011</a:t>
             </a:fld>
             <a:endParaRPr lang="en-US" dirty="0"/>
           </a:p>
@@ -2257,7 +2258,7 @@
           <a:p>
             <a:fld id="{FCD849ED-D095-4409-898A-E3F8B21476F0}" type="datetimeFigureOut">
               <a:rPr lang="en-US" smtClean="0"/>
-              <a:t>8/2/2011</a:t>
+              <a:t>8/3/2011</a:t>
             </a:fld>
             <a:endParaRPr lang="en-US" dirty="0"/>
           </a:p>
@@ -2510,7 +2511,7 @@
           <a:p>
             <a:fld id="{FCD849ED-D095-4409-898A-E3F8B21476F0}" type="datetimeFigureOut">
               <a:rPr lang="en-US" smtClean="0"/>
-              <a:t>8/2/2011</a:t>
+              <a:t>8/3/2011</a:t>
             </a:fld>
             <a:endParaRPr lang="en-US" dirty="0"/>
           </a:p>
@@ -2723,7 +2724,7 @@
           <a:p>
             <a:fld id="{FCD849ED-D095-4409-898A-E3F8B21476F0}" type="datetimeFigureOut">
               <a:rPr lang="en-US" smtClean="0"/>
-              <a:t>8/2/2011</a:t>
+              <a:t>8/3/2011</a:t>
             </a:fld>
             <a:endParaRPr lang="en-US" dirty="0"/>
           </a:p>
@@ -3649,21 +3650,7 @@
                 <a:latin typeface="Courier New" pitchFamily="49" charset="0"/>
                 <a:cs typeface="Courier New" pitchFamily="49" charset="0"/>
               </a:rPr>
-              <a:t> </a:t>
-            </a:r>
-            <a:r>
-              <a:rPr lang="en-US" dirty="0" smtClean="0">
-                <a:latin typeface="Courier New" pitchFamily="49" charset="0"/>
-                <a:cs typeface="Courier New" pitchFamily="49" charset="0"/>
-              </a:rPr>
-              <a:t>org.csstudio.diag.probe</a:t>
-            </a:r>
-            <a:r>
-              <a:rPr lang="en-US" dirty="0" smtClean="0">
-                <a:latin typeface="Courier New" pitchFamily="49" charset="0"/>
-                <a:cs typeface="Courier New" pitchFamily="49" charset="0"/>
-              </a:rPr>
-              <a:t>/</a:t>
+              <a:t> org.csstudio.diag.probe/</a:t>
             </a:r>
           </a:p>
           <a:p>
@@ -3679,21 +3666,7 @@
                 <a:latin typeface="Courier New" pitchFamily="49" charset="0"/>
                 <a:cs typeface="Courier New" pitchFamily="49" charset="0"/>
               </a:rPr>
-              <a:t>   </a:t>
-            </a:r>
-            <a:r>
-              <a:rPr lang="en-US" dirty="0" smtClean="0">
-                <a:latin typeface="Courier New" pitchFamily="49" charset="0"/>
-                <a:cs typeface="Courier New" pitchFamily="49" charset="0"/>
-              </a:rPr>
-              <a:t>src</a:t>
-            </a:r>
-            <a:r>
-              <a:rPr lang="en-US" dirty="0" smtClean="0">
-                <a:latin typeface="Courier New" pitchFamily="49" charset="0"/>
-                <a:cs typeface="Courier New" pitchFamily="49" charset="0"/>
-              </a:rPr>
-              <a:t>/</a:t>
+              <a:t>   src/</a:t>
             </a:r>
           </a:p>
           <a:p>
@@ -4641,7 +4614,6 @@
                 <a:rPr lang="en-US" sz="1600" dirty="0" smtClean="0"/>
                 <a:t>org.cs-studio.data</a:t>
               </a:r>
-              <a:endParaRPr lang="en-US" sz="1600" dirty="0" smtClean="0"/>
             </a:p>
           </p:txBody>
         </p:sp>
@@ -4780,7 +4752,6 @@
                 <a:rPr lang="en-US" sz="1600" dirty="0" smtClean="0"/>
                 <a:t>org.cs-studio.display.probe</a:t>
               </a:r>
-              <a:endParaRPr lang="en-US" sz="1600" dirty="0" smtClean="0"/>
             </a:p>
           </p:txBody>
         </p:sp>
@@ -5499,7 +5470,6 @@
               <a:rPr lang="en-US" sz="2400" dirty="0" smtClean="0"/>
               <a:t>build.properties</a:t>
             </a:r>
-            <a:endParaRPr lang="en-US" sz="2400" dirty="0" smtClean="0"/>
           </a:p>
           <a:p>
             <a:pPr algn="ctr"/>
@@ -5530,14 +5500,7 @@
                 <a:latin typeface="Courier New" pitchFamily="49" charset="0"/>
                 <a:cs typeface="Courier New" pitchFamily="49" charset="0"/>
               </a:rPr>
-              <a:t>org.csstudio.….product/</a:t>
-            </a:r>
-            <a:r>
-              <a:rPr lang="en-US" sz="1100" dirty="0" smtClean="0">
-                <a:latin typeface="Courier New" pitchFamily="49" charset="0"/>
-                <a:cs typeface="Courier New" pitchFamily="49" charset="0"/>
-              </a:rPr>
-              <a:t>css.product</a:t>
+              <a:t>org.csstudio.….product/css.product</a:t>
             </a:r>
             <a:endParaRPr lang="en-US" sz="1100" dirty="0">
               <a:latin typeface="Courier New" pitchFamily="49" charset="0"/>
@@ -5618,14 +5581,7 @@
                 <a:latin typeface="Courier New" pitchFamily="49" charset="0"/>
                 <a:cs typeface="Courier New" pitchFamily="49" charset="0"/>
               </a:rPr>
-              <a:t>archivePrefix</a:t>
-            </a:r>
-            <a:r>
-              <a:rPr lang="en-US" sz="1100" dirty="0" smtClean="0">
-                <a:latin typeface="Courier New" pitchFamily="49" charset="0"/>
-                <a:cs typeface="Courier New" pitchFamily="49" charset="0"/>
-              </a:rPr>
-              <a:t>=css_3.0</a:t>
+              <a:t>archivePrefix=css_3.0</a:t>
             </a:r>
           </a:p>
           <a:p>
@@ -5670,14 +5626,7 @@
                 <a:latin typeface="Courier New" pitchFamily="49" charset="0"/>
                 <a:cs typeface="Courier New" pitchFamily="49" charset="0"/>
               </a:rPr>
-              <a:t>configs</a:t>
-            </a:r>
-            <a:r>
-              <a:rPr lang="en-US" sz="1100" dirty="0" smtClean="0">
-                <a:latin typeface="Courier New" pitchFamily="49" charset="0"/>
-                <a:cs typeface="Courier New" pitchFamily="49" charset="0"/>
-              </a:rPr>
-              <a:t>=win32,win32,x86  </a:t>
+              <a:t>configs=win32,win32,x86  </a:t>
             </a:r>
             <a:r>
               <a:rPr lang="en-US" sz="1100" dirty="0">
@@ -5795,6 +5744,975 @@
     <p:extLst>
       <p:ext uri="{BB962C8B-B14F-4D97-AF65-F5344CB8AC3E}">
         <p14:creationId xmlns:p14="http://schemas.microsoft.com/office/powerpoint/2010/main" val="214829920"/>
+      </p:ext>
+    </p:extLst>
+  </p:cSld>
+  <p:clrMapOvr>
+    <a:masterClrMapping/>
+  </p:clrMapOvr>
+  <p:timing>
+    <p:tnLst>
+      <p:par>
+        <p:cTn id="1" dur="indefinite" restart="never" nodeType="tmRoot"/>
+      </p:par>
+    </p:tnLst>
+  </p:timing>
+</p:sld>
+</file>
+
+<file path=ppt/slides/slide5.xml><?xml version="1.0" encoding="utf-8"?>
+<p:sld xmlns:a="http://schemas.openxmlformats.org/drawingml/2006/main" xmlns:r="http://schemas.openxmlformats.org/officeDocument/2006/relationships" xmlns:p="http://schemas.openxmlformats.org/presentationml/2006/main">
+  <p:cSld>
+    <p:spTree>
+      <p:nvGrpSpPr>
+        <p:cNvPr id="1" name=""/>
+        <p:cNvGrpSpPr/>
+        <p:nvPr/>
+      </p:nvGrpSpPr>
+      <p:grpSpPr>
+        <a:xfrm>
+          <a:off x="0" y="0"/>
+          <a:ext cx="0" cy="0"/>
+          <a:chOff x="0" y="0"/>
+          <a:chExt cx="0" cy="0"/>
+        </a:xfrm>
+      </p:grpSpPr>
+      <p:sp>
+        <p:nvSpPr>
+          <p:cNvPr id="68" name="Rounded Rectangle 67"/>
+          <p:cNvSpPr>
+            <a:spLocks noChangeArrowheads="1"/>
+          </p:cNvSpPr>
+          <p:nvPr/>
+        </p:nvSpPr>
+        <p:spPr bwMode="auto">
+          <a:xfrm>
+            <a:off x="3027363" y="4373563"/>
+            <a:ext cx="2708275" cy="2225675"/>
+          </a:xfrm>
+          <a:prstGeom prst="roundRect">
+            <a:avLst>
+              <a:gd name="adj" fmla="val 16667"/>
+            </a:avLst>
+          </a:prstGeom>
+          <a:gradFill rotWithShape="1">
+            <a:gsLst>
+              <a:gs pos="0">
+                <a:srgbClr val="EAEDF4"/>
+              </a:gs>
+              <a:gs pos="64999">
+                <a:srgbClr val="C8CFE0"/>
+              </a:gs>
+              <a:gs pos="100000">
+                <a:srgbClr val="AFBBD4"/>
+              </a:gs>
+            </a:gsLst>
+            <a:lin ang="5400000" scaled="1"/>
+          </a:gradFill>
+          <a:ln w="9525">
+            <a:solidFill>
+              <a:srgbClr val="003C6C"/>
+            </a:solidFill>
+            <a:round/>
+            <a:headEnd/>
+            <a:tailEnd/>
+          </a:ln>
+          <a:effectLst>
+            <a:outerShdw blurRad="40000" dist="20000" dir="5400000" rotWithShape="0">
+              <a:srgbClr val="808080">
+                <a:alpha val="37999"/>
+              </a:srgbClr>
+            </a:outerShdw>
+          </a:effectLst>
+        </p:spPr>
+        <p:txBody>
+          <a:bodyPr/>
+          <a:lstStyle/>
+          <a:p>
+            <a:pPr algn="ctr"/>
+            <a:r>
+              <a:rPr lang="en-US"/>
+              <a:t>CSS-based OPI</a:t>
+            </a:r>
+          </a:p>
+        </p:txBody>
+      </p:sp>
+      <p:sp>
+        <p:nvSpPr>
+          <p:cNvPr id="10" name="Process 9"/>
+          <p:cNvSpPr>
+            <a:spLocks noChangeArrowheads="1"/>
+          </p:cNvSpPr>
+          <p:nvPr/>
+        </p:nvSpPr>
+        <p:spPr bwMode="auto">
+          <a:xfrm>
+            <a:off x="3486150" y="1525588"/>
+            <a:ext cx="1790700" cy="460375"/>
+          </a:xfrm>
+          <a:prstGeom prst="flowChartProcess">
+            <a:avLst/>
+          </a:prstGeom>
+          <a:gradFill rotWithShape="1">
+            <a:gsLst>
+              <a:gs pos="0">
+                <a:srgbClr val="E9F2F7"/>
+              </a:gs>
+              <a:gs pos="64999">
+                <a:srgbClr val="C6DDE8"/>
+              </a:gs>
+              <a:gs pos="100000">
+                <a:srgbClr val="ACCFDF"/>
+              </a:gs>
+            </a:gsLst>
+            <a:lin ang="5400000" scaled="1"/>
+          </a:gradFill>
+          <a:ln w="9525">
+            <a:solidFill>
+              <a:srgbClr val="237085"/>
+            </a:solidFill>
+            <a:miter lim="800000"/>
+            <a:headEnd/>
+            <a:tailEnd/>
+          </a:ln>
+          <a:effectLst>
+            <a:outerShdw blurRad="50800" dist="38100" dir="2700000" rotWithShape="0">
+              <a:srgbClr val="808080">
+                <a:alpha val="42999"/>
+              </a:srgbClr>
+            </a:outerShdw>
+          </a:effectLst>
+        </p:spPr>
+        <p:txBody>
+          <a:bodyPr anchor="ctr"/>
+          <a:lstStyle/>
+          <a:p>
+            <a:pPr algn="ctr"/>
+            <a:r>
+              <a:rPr lang="en-US">
+                <a:solidFill>
+                  <a:srgbClr val="000000"/>
+                </a:solidFill>
+              </a:rPr>
+              <a:t>ArchiveEngine</a:t>
+            </a:r>
+          </a:p>
+        </p:txBody>
+      </p:sp>
+      <p:sp>
+        <p:nvSpPr>
+          <p:cNvPr id="12" name="Process 11"/>
+          <p:cNvSpPr>
+            <a:spLocks noChangeArrowheads="1"/>
+          </p:cNvSpPr>
+          <p:nvPr/>
+        </p:nvSpPr>
+        <p:spPr bwMode="auto">
+          <a:xfrm>
+            <a:off x="755650" y="2171700"/>
+            <a:ext cx="1304925" cy="339725"/>
+          </a:xfrm>
+          <a:prstGeom prst="flowChartProcess">
+            <a:avLst/>
+          </a:prstGeom>
+          <a:gradFill rotWithShape="1">
+            <a:gsLst>
+              <a:gs pos="0">
+                <a:srgbClr val="E9F2F7"/>
+              </a:gs>
+              <a:gs pos="64999">
+                <a:srgbClr val="C6DDE8"/>
+              </a:gs>
+              <a:gs pos="100000">
+                <a:srgbClr val="ACCFDF"/>
+              </a:gs>
+            </a:gsLst>
+            <a:lin ang="5400000" scaled="1"/>
+          </a:gradFill>
+          <a:ln w="9525">
+            <a:solidFill>
+              <a:srgbClr val="237085"/>
+            </a:solidFill>
+            <a:prstDash val="dash"/>
+            <a:round/>
+            <a:headEnd/>
+            <a:tailEnd/>
+          </a:ln>
+          <a:effectLst>
+            <a:outerShdw blurRad="40000" dist="20000" dir="5400000" rotWithShape="0">
+              <a:srgbClr val="808080">
+                <a:alpha val="37999"/>
+              </a:srgbClr>
+            </a:outerShdw>
+          </a:effectLst>
+        </p:spPr>
+        <p:txBody>
+          <a:bodyPr anchor="ctr"/>
+          <a:lstStyle/>
+          <a:p>
+            <a:pPr algn="ctr"/>
+            <a:r>
+              <a:rPr lang="en-US">
+                <a:solidFill>
+                  <a:srgbClr val="000000"/>
+                </a:solidFill>
+              </a:rPr>
+              <a:t>config.xml</a:t>
+            </a:r>
+          </a:p>
+        </p:txBody>
+      </p:sp>
+      <p:sp>
+        <p:nvSpPr>
+          <p:cNvPr id="13" name="Process 12"/>
+          <p:cNvSpPr>
+            <a:spLocks noChangeArrowheads="1"/>
+          </p:cNvSpPr>
+          <p:nvPr/>
+        </p:nvSpPr>
+        <p:spPr bwMode="auto">
+          <a:xfrm>
+            <a:off x="3954463" y="652463"/>
+            <a:ext cx="854075" cy="336550"/>
+          </a:xfrm>
+          <a:prstGeom prst="flowChartProcess">
+            <a:avLst/>
+          </a:prstGeom>
+          <a:gradFill rotWithShape="1">
+            <a:gsLst>
+              <a:gs pos="0">
+                <a:srgbClr val="E9F2F7"/>
+              </a:gs>
+              <a:gs pos="64999">
+                <a:srgbClr val="C6DDE8"/>
+              </a:gs>
+              <a:gs pos="100000">
+                <a:srgbClr val="ACCFDF"/>
+              </a:gs>
+            </a:gsLst>
+            <a:lin ang="5400000" scaled="1"/>
+          </a:gradFill>
+          <a:ln w="9525">
+            <a:solidFill>
+              <a:srgbClr val="237085"/>
+            </a:solidFill>
+            <a:miter lim="800000"/>
+            <a:headEnd/>
+            <a:tailEnd/>
+          </a:ln>
+          <a:effectLst>
+            <a:outerShdw blurRad="40000" dist="20000" dir="5400000" rotWithShape="0">
+              <a:srgbClr val="808080">
+                <a:alpha val="37999"/>
+              </a:srgbClr>
+            </a:outerShdw>
+          </a:effectLst>
+        </p:spPr>
+        <p:txBody>
+          <a:bodyPr anchor="ctr"/>
+          <a:lstStyle/>
+          <a:p>
+            <a:pPr algn="ctr"/>
+            <a:r>
+              <a:rPr lang="en-US">
+                <a:solidFill>
+                  <a:srgbClr val="000000"/>
+                </a:solidFill>
+              </a:rPr>
+              <a:t>IOC</a:t>
+            </a:r>
+          </a:p>
+        </p:txBody>
+      </p:sp>
+      <p:sp>
+        <p:nvSpPr>
+          <p:cNvPr id="23" name="Can 22"/>
+          <p:cNvSpPr>
+            <a:spLocks noChangeArrowheads="1"/>
+          </p:cNvSpPr>
+          <p:nvPr/>
+        </p:nvSpPr>
+        <p:spPr bwMode="auto">
+          <a:xfrm>
+            <a:off x="3330575" y="2463800"/>
+            <a:ext cx="2101850" cy="1296988"/>
+          </a:xfrm>
+          <a:prstGeom prst="can">
+            <a:avLst>
+              <a:gd name="adj" fmla="val 25000"/>
+            </a:avLst>
+          </a:prstGeom>
+          <a:gradFill rotWithShape="1">
+            <a:gsLst>
+              <a:gs pos="0">
+                <a:srgbClr val="ACBAD7"/>
+              </a:gs>
+              <a:gs pos="100000">
+                <a:srgbClr val="003F7C"/>
+              </a:gs>
+            </a:gsLst>
+            <a:lin ang="5400000"/>
+          </a:gradFill>
+          <a:ln w="9525">
+            <a:solidFill>
+              <a:srgbClr val="003C6C"/>
+            </a:solidFill>
+            <a:round/>
+            <a:headEnd/>
+            <a:tailEnd/>
+          </a:ln>
+          <a:effectLst>
+            <a:outerShdw blurRad="40000" dist="23000" dir="5400000" rotWithShape="0">
+              <a:srgbClr val="808080">
+                <a:alpha val="34999"/>
+              </a:srgbClr>
+            </a:outerShdw>
+          </a:effectLst>
+        </p:spPr>
+        <p:txBody>
+          <a:bodyPr/>
+          <a:lstStyle/>
+          <a:p>
+            <a:pPr algn="ctr"/>
+            <a:r>
+              <a:rPr lang="en-US" dirty="0"/>
+              <a:t>RDB</a:t>
+            </a:r>
+            <a:br>
+              <a:rPr lang="en-US" dirty="0"/>
+            </a:br>
+            <a:r>
+              <a:rPr lang="en-US" dirty="0"/>
+              <a:t>(</a:t>
+            </a:r>
+            <a:r>
+              <a:rPr lang="en-US" dirty="0" smtClean="0"/>
+              <a:t>Oracle,MySQL,</a:t>
+            </a:r>
+            <a:br>
+              <a:rPr lang="en-US" dirty="0" smtClean="0"/>
+            </a:br>
+            <a:r>
+              <a:rPr lang="en-US" dirty="0" smtClean="0"/>
+              <a:t>PostgreSQL)</a:t>
+            </a:r>
+            <a:endParaRPr lang="en-US" dirty="0"/>
+          </a:p>
+        </p:txBody>
+      </p:sp>
+      <p:cxnSp>
+        <p:nvCxnSpPr>
+          <p:cNvPr id="20487" name="Straight Arrow Connector 60"/>
+          <p:cNvCxnSpPr>
+            <a:cxnSpLocks noChangeShapeType="1"/>
+            <a:stCxn id="23" idx="3"/>
+            <a:endCxn id="68" idx="0"/>
+          </p:cNvCxnSpPr>
+          <p:nvPr/>
+        </p:nvCxnSpPr>
+        <p:spPr bwMode="auto">
+          <a:xfrm rot="16200000" flipH="1">
+            <a:off x="4075112" y="4067176"/>
+            <a:ext cx="612775" cy="0"/>
+          </a:xfrm>
+          <a:prstGeom prst="straightConnector1">
+            <a:avLst/>
+          </a:prstGeom>
+          <a:noFill/>
+          <a:ln w="9525">
+            <a:solidFill>
+              <a:schemeClr val="tx1"/>
+            </a:solidFill>
+            <a:round/>
+            <a:headEnd/>
+            <a:tailEnd type="arrow" w="med" len="med"/>
+          </a:ln>
+          <a:extLst>
+            <a:ext uri="{909E8E84-426E-40DD-AFC4-6F175D3DCCD1}">
+              <a14:hiddenFill xmlns:a14="http://schemas.microsoft.com/office/drawing/2010/main">
+                <a:noFill/>
+              </a14:hiddenFill>
+            </a:ext>
+          </a:extLst>
+        </p:spPr>
+      </p:cxnSp>
+      <p:pic>
+        <p:nvPicPr>
+          <p:cNvPr id="20488" name="Picture 37" descr="css_databrowser.png"/>
+          <p:cNvPicPr>
+            <a:picLocks noChangeAspect="1"/>
+          </p:cNvPicPr>
+          <p:nvPr/>
+        </p:nvPicPr>
+        <p:blipFill>
+          <a:blip r:embed="rId2" cstate="print">
+            <a:extLst>
+              <a:ext uri="{28A0092B-C50C-407E-A947-70E740481C1C}">
+                <a14:useLocalDpi xmlns:a14="http://schemas.microsoft.com/office/drawing/2010/main" val="0"/>
+              </a:ext>
+            </a:extLst>
+          </a:blip>
+          <a:srcRect/>
+          <a:stretch>
+            <a:fillRect/>
+          </a:stretch>
+        </p:blipFill>
+        <p:spPr bwMode="auto">
+          <a:xfrm>
+            <a:off x="3187700" y="4775200"/>
+            <a:ext cx="2387600" cy="1736725"/>
+          </a:xfrm>
+          <a:prstGeom prst="rect">
+            <a:avLst/>
+          </a:prstGeom>
+          <a:noFill/>
+          <a:ln>
+            <a:noFill/>
+          </a:ln>
+          <a:extLst>
+            <a:ext uri="{909E8E84-426E-40DD-AFC4-6F175D3DCCD1}">
+              <a14:hiddenFill xmlns:a14="http://schemas.microsoft.com/office/drawing/2010/main">
+                <a:solidFill>
+                  <a:srgbClr val="FFFFFF"/>
+                </a:solidFill>
+              </a14:hiddenFill>
+            </a:ext>
+            <a:ext uri="{91240B29-F687-4F45-9708-019B960494DF}">
+              <a14:hiddenLine xmlns:a14="http://schemas.microsoft.com/office/drawing/2010/main" w="9525">
+                <a:solidFill>
+                  <a:srgbClr val="000000"/>
+                </a:solidFill>
+                <a:miter lim="800000"/>
+                <a:headEnd/>
+                <a:tailEnd/>
+              </a14:hiddenLine>
+            </a:ext>
+          </a:extLst>
+        </p:spPr>
+      </p:pic>
+      <p:cxnSp>
+        <p:nvCxnSpPr>
+          <p:cNvPr id="20489" name="Straight Arrow Connector 60"/>
+          <p:cNvCxnSpPr>
+            <a:cxnSpLocks noChangeShapeType="1"/>
+            <a:stCxn id="10" idx="2"/>
+            <a:endCxn id="23" idx="1"/>
+          </p:cNvCxnSpPr>
+          <p:nvPr/>
+        </p:nvCxnSpPr>
+        <p:spPr bwMode="auto">
+          <a:xfrm rot="5400000">
+            <a:off x="4142582" y="2224881"/>
+            <a:ext cx="477838" cy="3175"/>
+          </a:xfrm>
+          <a:prstGeom prst="straightConnector1">
+            <a:avLst/>
+          </a:prstGeom>
+          <a:noFill/>
+          <a:ln w="9525">
+            <a:solidFill>
+              <a:schemeClr val="tx1"/>
+            </a:solidFill>
+            <a:round/>
+            <a:headEnd/>
+            <a:tailEnd type="arrow" w="med" len="med"/>
+          </a:ln>
+          <a:extLst>
+            <a:ext uri="{909E8E84-426E-40DD-AFC4-6F175D3DCCD1}">
+              <a14:hiddenFill xmlns:a14="http://schemas.microsoft.com/office/drawing/2010/main">
+                <a:noFill/>
+              </a14:hiddenFill>
+            </a:ext>
+          </a:extLst>
+        </p:spPr>
+      </p:cxnSp>
+      <p:cxnSp>
+        <p:nvCxnSpPr>
+          <p:cNvPr id="20490" name="Straight Arrow Connector 60"/>
+          <p:cNvCxnSpPr>
+            <a:cxnSpLocks noChangeShapeType="1"/>
+            <a:stCxn id="13" idx="2"/>
+            <a:endCxn id="10" idx="0"/>
+          </p:cNvCxnSpPr>
+          <p:nvPr/>
+        </p:nvCxnSpPr>
+        <p:spPr bwMode="auto">
+          <a:xfrm rot="5400000">
+            <a:off x="4113212" y="1257301"/>
+            <a:ext cx="536575" cy="0"/>
+          </a:xfrm>
+          <a:prstGeom prst="straightConnector1">
+            <a:avLst/>
+          </a:prstGeom>
+          <a:noFill/>
+          <a:ln w="9525">
+            <a:solidFill>
+              <a:schemeClr val="tx1"/>
+            </a:solidFill>
+            <a:round/>
+            <a:headEnd/>
+            <a:tailEnd type="arrow" w="med" len="med"/>
+          </a:ln>
+          <a:extLst>
+            <a:ext uri="{909E8E84-426E-40DD-AFC4-6F175D3DCCD1}">
+              <a14:hiddenFill xmlns:a14="http://schemas.microsoft.com/office/drawing/2010/main">
+                <a:noFill/>
+              </a14:hiddenFill>
+            </a:ext>
+          </a:extLst>
+        </p:spPr>
+      </p:cxnSp>
+      <p:cxnSp>
+        <p:nvCxnSpPr>
+          <p:cNvPr id="20491" name="Straight Arrow Connector 60"/>
+          <p:cNvCxnSpPr>
+            <a:cxnSpLocks noChangeShapeType="1"/>
+            <a:stCxn id="22" idx="3"/>
+          </p:cNvCxnSpPr>
+          <p:nvPr/>
+        </p:nvCxnSpPr>
+        <p:spPr bwMode="auto">
+          <a:xfrm>
+            <a:off x="2514600" y="3110058"/>
+            <a:ext cx="815975" cy="2236"/>
+          </a:xfrm>
+          <a:prstGeom prst="straightConnector1">
+            <a:avLst/>
+          </a:prstGeom>
+          <a:noFill/>
+          <a:ln w="9525">
+            <a:solidFill>
+              <a:schemeClr val="tx1"/>
+            </a:solidFill>
+            <a:round/>
+            <a:headEnd/>
+            <a:tailEnd type="arrow" w="med" len="med"/>
+          </a:ln>
+          <a:extLst>
+            <a:ext uri="{909E8E84-426E-40DD-AFC4-6F175D3DCCD1}">
+              <a14:hiddenFill xmlns:a14="http://schemas.microsoft.com/office/drawing/2010/main">
+                <a:noFill/>
+              </a14:hiddenFill>
+            </a:ext>
+          </a:extLst>
+        </p:spPr>
+      </p:cxnSp>
+      <p:sp>
+        <p:nvSpPr>
+          <p:cNvPr id="61" name="Process 60"/>
+          <p:cNvSpPr>
+            <a:spLocks noChangeArrowheads="1"/>
+          </p:cNvSpPr>
+          <p:nvPr/>
+        </p:nvSpPr>
+        <p:spPr bwMode="auto">
+          <a:xfrm>
+            <a:off x="4281488" y="1050925"/>
+            <a:ext cx="1589087" cy="336550"/>
+          </a:xfrm>
+          <a:prstGeom prst="flowChartProcess">
+            <a:avLst/>
+          </a:prstGeom>
+          <a:noFill/>
+          <a:ln>
+            <a:noFill/>
+          </a:ln>
+          <a:effectLst>
+            <a:outerShdw blurRad="40000" dist="20000" dir="5400000" rotWithShape="0">
+              <a:srgbClr val="808080">
+                <a:alpha val="37999"/>
+              </a:srgbClr>
+            </a:outerShdw>
+          </a:effectLst>
+          <a:extLst>
+            <a:ext uri="{909E8E84-426E-40DD-AFC4-6F175D3DCCD1}">
+              <a14:hiddenFill xmlns:a14="http://schemas.microsoft.com/office/drawing/2010/main">
+                <a:solidFill>
+                  <a:srgbClr val="FFFFFF"/>
+                </a:solidFill>
+              </a14:hiddenFill>
+            </a:ext>
+            <a:ext uri="{91240B29-F687-4F45-9708-019B960494DF}">
+              <a14:hiddenLine xmlns:a14="http://schemas.microsoft.com/office/drawing/2010/main" w="9525">
+                <a:solidFill>
+                  <a:srgbClr val="000000"/>
+                </a:solidFill>
+                <a:miter lim="800000"/>
+                <a:headEnd/>
+                <a:tailEnd/>
+              </a14:hiddenLine>
+            </a:ext>
+          </a:extLst>
+        </p:spPr>
+        <p:txBody>
+          <a:bodyPr anchor="ctr"/>
+          <a:lstStyle/>
+          <a:p>
+            <a:pPr algn="ctr"/>
+            <a:r>
+              <a:rPr lang="en-US" sz="1400" i="1">
+                <a:solidFill>
+                  <a:srgbClr val="000000"/>
+                </a:solidFill>
+              </a:rPr>
+              <a:t>Channel Access</a:t>
+            </a:r>
+          </a:p>
+        </p:txBody>
+      </p:sp>
+      <p:cxnSp>
+        <p:nvCxnSpPr>
+          <p:cNvPr id="20494" name="Straight Arrow Connector 60"/>
+          <p:cNvCxnSpPr>
+            <a:cxnSpLocks noChangeShapeType="1"/>
+          </p:cNvCxnSpPr>
+          <p:nvPr/>
+        </p:nvCxnSpPr>
+        <p:spPr bwMode="auto">
+          <a:xfrm rot="16200000" flipV="1">
+            <a:off x="3505994" y="2231232"/>
+            <a:ext cx="495300" cy="4762"/>
+          </a:xfrm>
+          <a:prstGeom prst="straightConnector1">
+            <a:avLst/>
+          </a:prstGeom>
+          <a:noFill/>
+          <a:ln w="9525">
+            <a:solidFill>
+              <a:schemeClr val="tx1"/>
+            </a:solidFill>
+            <a:round/>
+            <a:headEnd/>
+            <a:tailEnd type="arrow" w="med" len="med"/>
+          </a:ln>
+          <a:extLst>
+            <a:ext uri="{909E8E84-426E-40DD-AFC4-6F175D3DCCD1}">
+              <a14:hiddenFill xmlns:a14="http://schemas.microsoft.com/office/drawing/2010/main">
+                <a:noFill/>
+              </a14:hiddenFill>
+            </a:ext>
+          </a:extLst>
+        </p:spPr>
+      </p:cxnSp>
+      <p:sp>
+        <p:nvSpPr>
+          <p:cNvPr id="36" name="Process 35"/>
+          <p:cNvSpPr>
+            <a:spLocks noChangeArrowheads="1"/>
+          </p:cNvSpPr>
+          <p:nvPr/>
+        </p:nvSpPr>
+        <p:spPr bwMode="auto">
+          <a:xfrm>
+            <a:off x="4400550" y="2101850"/>
+            <a:ext cx="957263" cy="336550"/>
+          </a:xfrm>
+          <a:prstGeom prst="flowChartProcess">
+            <a:avLst/>
+          </a:prstGeom>
+          <a:noFill/>
+          <a:ln>
+            <a:noFill/>
+          </a:ln>
+          <a:effectLst>
+            <a:outerShdw blurRad="40000" dist="20000" dir="5400000" rotWithShape="0">
+              <a:srgbClr val="808080">
+                <a:alpha val="37999"/>
+              </a:srgbClr>
+            </a:outerShdw>
+          </a:effectLst>
+          <a:extLst>
+            <a:ext uri="{909E8E84-426E-40DD-AFC4-6F175D3DCCD1}">
+              <a14:hiddenFill xmlns:a14="http://schemas.microsoft.com/office/drawing/2010/main">
+                <a:solidFill>
+                  <a:srgbClr val="FFFFFF"/>
+                </a:solidFill>
+              </a14:hiddenFill>
+            </a:ext>
+            <a:ext uri="{91240B29-F687-4F45-9708-019B960494DF}">
+              <a14:hiddenLine xmlns:a14="http://schemas.microsoft.com/office/drawing/2010/main" w="9525">
+                <a:solidFill>
+                  <a:srgbClr val="000000"/>
+                </a:solidFill>
+                <a:miter lim="800000"/>
+                <a:headEnd/>
+                <a:tailEnd/>
+              </a14:hiddenLine>
+            </a:ext>
+          </a:extLst>
+        </p:spPr>
+        <p:txBody>
+          <a:bodyPr anchor="ctr"/>
+          <a:lstStyle/>
+          <a:p>
+            <a:pPr algn="ctr"/>
+            <a:r>
+              <a:rPr lang="en-US" sz="1400" i="1">
+                <a:solidFill>
+                  <a:srgbClr val="000000"/>
+                </a:solidFill>
+              </a:rPr>
+              <a:t>Samples</a:t>
+            </a:r>
+          </a:p>
+        </p:txBody>
+      </p:sp>
+      <p:sp>
+        <p:nvSpPr>
+          <p:cNvPr id="37" name="Process 36"/>
+          <p:cNvSpPr>
+            <a:spLocks noChangeArrowheads="1"/>
+          </p:cNvSpPr>
+          <p:nvPr/>
+        </p:nvSpPr>
+        <p:spPr bwMode="auto">
+          <a:xfrm>
+            <a:off x="2960688" y="2138363"/>
+            <a:ext cx="760412" cy="336550"/>
+          </a:xfrm>
+          <a:prstGeom prst="flowChartProcess">
+            <a:avLst/>
+          </a:prstGeom>
+          <a:noFill/>
+          <a:ln>
+            <a:noFill/>
+          </a:ln>
+          <a:effectLst>
+            <a:outerShdw blurRad="40000" dist="20000" dir="5400000" rotWithShape="0">
+              <a:srgbClr val="808080">
+                <a:alpha val="37999"/>
+              </a:srgbClr>
+            </a:outerShdw>
+          </a:effectLst>
+          <a:extLst>
+            <a:ext uri="{909E8E84-426E-40DD-AFC4-6F175D3DCCD1}">
+              <a14:hiddenFill xmlns:a14="http://schemas.microsoft.com/office/drawing/2010/main">
+                <a:solidFill>
+                  <a:srgbClr val="FFFFFF"/>
+                </a:solidFill>
+              </a14:hiddenFill>
+            </a:ext>
+            <a:ext uri="{91240B29-F687-4F45-9708-019B960494DF}">
+              <a14:hiddenLine xmlns:a14="http://schemas.microsoft.com/office/drawing/2010/main" w="9525">
+                <a:solidFill>
+                  <a:srgbClr val="000000"/>
+                </a:solidFill>
+                <a:miter lim="800000"/>
+                <a:headEnd/>
+                <a:tailEnd/>
+              </a14:hiddenLine>
+            </a:ext>
+          </a:extLst>
+        </p:spPr>
+        <p:txBody>
+          <a:bodyPr anchor="ctr"/>
+          <a:lstStyle/>
+          <a:p>
+            <a:pPr algn="ctr"/>
+            <a:r>
+              <a:rPr lang="en-US" sz="1400" i="1">
+                <a:solidFill>
+                  <a:srgbClr val="000000"/>
+                </a:solidFill>
+              </a:rPr>
+              <a:t>Config.</a:t>
+            </a:r>
+          </a:p>
+        </p:txBody>
+      </p:sp>
+      <p:cxnSp>
+        <p:nvCxnSpPr>
+          <p:cNvPr id="20498" name="Straight Arrow Connector 60"/>
+          <p:cNvCxnSpPr>
+            <a:cxnSpLocks noChangeShapeType="1"/>
+            <a:stCxn id="12" idx="2"/>
+          </p:cNvCxnSpPr>
+          <p:nvPr/>
+        </p:nvCxnSpPr>
+        <p:spPr bwMode="auto">
+          <a:xfrm rot="16200000" flipH="1">
+            <a:off x="1229519" y="2690019"/>
+            <a:ext cx="365125" cy="7937"/>
+          </a:xfrm>
+          <a:prstGeom prst="straightConnector1">
+            <a:avLst/>
+          </a:prstGeom>
+          <a:noFill/>
+          <a:ln w="9525">
+            <a:solidFill>
+              <a:schemeClr val="tx1"/>
+            </a:solidFill>
+            <a:round/>
+            <a:headEnd/>
+            <a:tailEnd type="arrow" w="med" len="med"/>
+          </a:ln>
+          <a:extLst>
+            <a:ext uri="{909E8E84-426E-40DD-AFC4-6F175D3DCCD1}">
+              <a14:hiddenFill xmlns:a14="http://schemas.microsoft.com/office/drawing/2010/main">
+                <a:noFill/>
+              </a14:hiddenFill>
+            </a:ext>
+          </a:extLst>
+        </p:spPr>
+      </p:cxnSp>
+      <p:sp>
+        <p:nvSpPr>
+          <p:cNvPr id="26" name="Process 25"/>
+          <p:cNvSpPr/>
+          <p:nvPr/>
+        </p:nvSpPr>
+        <p:spPr bwMode="auto">
+          <a:xfrm>
+            <a:off x="6496050" y="2871788"/>
+            <a:ext cx="1790700" cy="460375"/>
+          </a:xfrm>
+          <a:prstGeom prst="flowChartProcess">
+            <a:avLst/>
+          </a:prstGeom>
+          <a:ln>
+            <a:headEnd type="none" w="med" len="med"/>
+            <a:tailEnd type="none" w="med" len="med"/>
+          </a:ln>
+          <a:effectLst/>
+        </p:spPr>
+        <p:style>
+          <a:lnRef idx="1">
+            <a:schemeClr val="accent2"/>
+          </a:lnRef>
+          <a:fillRef idx="2">
+            <a:schemeClr val="accent2"/>
+          </a:fillRef>
+          <a:effectRef idx="1">
+            <a:schemeClr val="accent2"/>
+          </a:effectRef>
+          <a:fontRef idx="minor">
+            <a:schemeClr val="dk1"/>
+          </a:fontRef>
+        </p:style>
+        <p:txBody>
+          <a:bodyPr anchor="ctr"/>
+          <a:lstStyle/>
+          <a:p>
+            <a:pPr algn="ctr"/>
+            <a:r>
+              <a:rPr lang="en-US" sz="1400">
+                <a:solidFill>
+                  <a:srgbClr val="000000"/>
+                </a:solidFill>
+                <a:ea typeface="ＭＳ Ｐゴシック" pitchFamily="34" charset="-128"/>
+              </a:rPr>
+              <a:t>Other tools for config &amp; samples</a:t>
+            </a:r>
+          </a:p>
+        </p:txBody>
+      </p:sp>
+      <p:cxnSp>
+        <p:nvCxnSpPr>
+          <p:cNvPr id="20500" name="Straight Arrow Connector 60"/>
+          <p:cNvCxnSpPr>
+            <a:cxnSpLocks noChangeShapeType="1"/>
+            <a:stCxn id="26" idx="1"/>
+            <a:endCxn id="23" idx="4"/>
+          </p:cNvCxnSpPr>
+          <p:nvPr/>
+        </p:nvCxnSpPr>
+        <p:spPr bwMode="auto">
+          <a:xfrm rot="10800000" flipV="1">
+            <a:off x="5432425" y="3101975"/>
+            <a:ext cx="1063625" cy="9525"/>
+          </a:xfrm>
+          <a:prstGeom prst="straightConnector1">
+            <a:avLst/>
+          </a:prstGeom>
+          <a:noFill/>
+          <a:ln w="9525">
+            <a:solidFill>
+              <a:schemeClr val="tx1"/>
+            </a:solidFill>
+            <a:round/>
+            <a:headEnd type="arrow" w="med" len="med"/>
+            <a:tailEnd type="arrow" w="med" len="med"/>
+          </a:ln>
+          <a:extLst>
+            <a:ext uri="{909E8E84-426E-40DD-AFC4-6F175D3DCCD1}">
+              <a14:hiddenFill xmlns:a14="http://schemas.microsoft.com/office/drawing/2010/main">
+                <a:noFill/>
+              </a14:hiddenFill>
+            </a:ext>
+          </a:extLst>
+        </p:spPr>
+      </p:cxnSp>
+      <p:sp>
+        <p:nvSpPr>
+          <p:cNvPr id="22" name="Process 9"/>
+          <p:cNvSpPr>
+            <a:spLocks noChangeArrowheads="1"/>
+          </p:cNvSpPr>
+          <p:nvPr/>
+        </p:nvSpPr>
+        <p:spPr bwMode="auto">
+          <a:xfrm>
+            <a:off x="551874" y="2879870"/>
+            <a:ext cx="1962726" cy="460375"/>
+          </a:xfrm>
+          <a:prstGeom prst="flowChartProcess">
+            <a:avLst/>
+          </a:prstGeom>
+          <a:gradFill rotWithShape="1">
+            <a:gsLst>
+              <a:gs pos="0">
+                <a:srgbClr val="E9F2F7"/>
+              </a:gs>
+              <a:gs pos="64999">
+                <a:srgbClr val="C6DDE8"/>
+              </a:gs>
+              <a:gs pos="100000">
+                <a:srgbClr val="ACCFDF"/>
+              </a:gs>
+            </a:gsLst>
+            <a:lin ang="5400000" scaled="1"/>
+          </a:gradFill>
+          <a:ln w="9525">
+            <a:solidFill>
+              <a:srgbClr val="237085"/>
+            </a:solidFill>
+            <a:miter lim="800000"/>
+            <a:headEnd/>
+            <a:tailEnd/>
+          </a:ln>
+          <a:effectLst>
+            <a:outerShdw blurRad="50800" dist="38100" dir="2700000" rotWithShape="0">
+              <a:srgbClr val="808080">
+                <a:alpha val="42999"/>
+              </a:srgbClr>
+            </a:outerShdw>
+          </a:effectLst>
+        </p:spPr>
+        <p:txBody>
+          <a:bodyPr anchor="ctr"/>
+          <a:lstStyle/>
+          <a:p>
+            <a:pPr algn="ctr"/>
+            <a:r>
+              <a:rPr lang="en-US" dirty="0" smtClean="0">
+                <a:solidFill>
+                  <a:srgbClr val="000000"/>
+                </a:solidFill>
+              </a:rPr>
+              <a:t>ArchiveConfigTool</a:t>
+            </a:r>
+            <a:endParaRPr lang="en-US" dirty="0">
+              <a:solidFill>
+                <a:srgbClr val="000000"/>
+              </a:solidFill>
+            </a:endParaRPr>
+          </a:p>
+        </p:txBody>
+      </p:sp>
+    </p:spTree>
+    <p:extLst>
+      <p:ext uri="{BB962C8B-B14F-4D97-AF65-F5344CB8AC3E}">
+        <p14:creationId xmlns:p14="http://schemas.microsoft.com/office/powerpoint/2010/main" val="3633103125"/>
       </p:ext>
     </p:extLst>
   </p:cSld>

--- a/src/slides.pptx
+++ b/src/slides.pptx
@@ -1,15 +1,16 @@
 
 <file path=ppt/presentation.xml><?xml version="1.0" encoding="utf-8"?>
-<p:presentation xmlns:a="http://schemas.openxmlformats.org/drawingml/2006/main" xmlns:r="http://schemas.openxmlformats.org/officeDocument/2006/relationships" xmlns:p="http://schemas.openxmlformats.org/presentationml/2006/main" saveSubsetFonts="1">
+<p:presentation xmlns:a="http://schemas.openxmlformats.org/drawingml/2006/main" xmlns:r="http://schemas.openxmlformats.org/officeDocument/2006/relationships" xmlns:mc="http://schemas.openxmlformats.org/markup-compatibility/2006" xmlns:mv="urn:schemas-microsoft-com:mac:vml" xmlns:p="http://schemas.openxmlformats.org/presentationml/2006/main" mc:Ignorable="mv" mc:PreserveAttributes="mv:*" saveSubsetFonts="1">
   <p:sldMasterIdLst>
     <p:sldMasterId id="2147483648" r:id="rId1"/>
   </p:sldMasterIdLst>
   <p:sldIdLst>
     <p:sldId id="259" r:id="rId2"/>
     <p:sldId id="260" r:id="rId3"/>
-    <p:sldId id="261" r:id="rId4"/>
-    <p:sldId id="263" r:id="rId5"/>
-    <p:sldId id="264" r:id="rId6"/>
+    <p:sldId id="265" r:id="rId4"/>
+    <p:sldId id="261" r:id="rId5"/>
+    <p:sldId id="263" r:id="rId6"/>
+    <p:sldId id="264" r:id="rId7"/>
   </p:sldIdLst>
   <p:sldSz cx="9144000" cy="6858000" type="screen4x3"/>
   <p:notesSz cx="6858000" cy="9144000"/>
@@ -112,7 +113,7 @@
 </file>
 
 <file path=ppt/slideLayouts/slideLayout1.xml><?xml version="1.0" encoding="utf-8"?>
-<p:sldLayout xmlns:a="http://schemas.openxmlformats.org/drawingml/2006/main" xmlns:r="http://schemas.openxmlformats.org/officeDocument/2006/relationships" xmlns:p="http://schemas.openxmlformats.org/presentationml/2006/main" type="title" preserve="1">
+<p:sldLayout xmlns:a="http://schemas.openxmlformats.org/drawingml/2006/main" xmlns:r="http://schemas.openxmlformats.org/officeDocument/2006/relationships" xmlns:mc="http://schemas.openxmlformats.org/markup-compatibility/2006" xmlns:mv="urn:schemas-microsoft-com:mac:vml" xmlns:p="http://schemas.openxmlformats.org/presentationml/2006/main" mc:Ignorable="mv" mc:PreserveAttributes="mv:*" type="title" preserve="1">
   <p:cSld name="Title Slide">
     <p:spTree>
       <p:nvGrpSpPr>
@@ -292,7 +293,8 @@
           <a:p>
             <a:fld id="{FCD849ED-D095-4409-898A-E3F8B21476F0}" type="datetimeFigureOut">
               <a:rPr lang="en-US" smtClean="0"/>
-              <a:t>8/3/2011</a:t>
+              <a:pPr/>
+              <a:t>9/19/11</a:t>
             </a:fld>
             <a:endParaRPr lang="en-US" dirty="0"/>
           </a:p>
@@ -334,6 +336,7 @@
           <a:p>
             <a:fld id="{88426157-8B29-4207-9A30-F524D8FBE366}" type="slidenum">
               <a:rPr lang="en-US" smtClean="0"/>
+              <a:pPr/>
               <a:t>‹#›</a:t>
             </a:fld>
             <a:endParaRPr lang="en-US" dirty="0"/>
@@ -343,7 +346,7 @@
     </p:spTree>
     <p:extLst>
       <p:ext uri="{BB962C8B-B14F-4D97-AF65-F5344CB8AC3E}">
-        <p14:creationId xmlns:p14="http://schemas.microsoft.com/office/powerpoint/2010/main" val="2152994876"/>
+        <p14:creationId xmlns:p14="http://schemas.microsoft.com/office/powerpoint/2010/main" xmlns:p="http://schemas.openxmlformats.org/presentationml/2006/main" xmlns:r="http://schemas.openxmlformats.org/officeDocument/2006/relationships" xmlns:a="http://schemas.openxmlformats.org/drawingml/2006/main" xmlns="" val="2152994876"/>
       </p:ext>
     </p:extLst>
   </p:cSld>
@@ -354,7 +357,7 @@
 </file>
 
 <file path=ppt/slideLayouts/slideLayout10.xml><?xml version="1.0" encoding="utf-8"?>
-<p:sldLayout xmlns:a="http://schemas.openxmlformats.org/drawingml/2006/main" xmlns:r="http://schemas.openxmlformats.org/officeDocument/2006/relationships" xmlns:p="http://schemas.openxmlformats.org/presentationml/2006/main" type="vertTx" preserve="1">
+<p:sldLayout xmlns:a="http://schemas.openxmlformats.org/drawingml/2006/main" xmlns:r="http://schemas.openxmlformats.org/officeDocument/2006/relationships" xmlns:mc="http://schemas.openxmlformats.org/markup-compatibility/2006" xmlns:mv="urn:schemas-microsoft-com:mac:vml" xmlns:p="http://schemas.openxmlformats.org/presentationml/2006/main" mc:Ignorable="mv" mc:PreserveAttributes="mv:*" type="vertTx" preserve="1">
   <p:cSld name="Title and Vertical Text">
     <p:spTree>
       <p:nvGrpSpPr>
@@ -462,7 +465,8 @@
           <a:p>
             <a:fld id="{FCD849ED-D095-4409-898A-E3F8B21476F0}" type="datetimeFigureOut">
               <a:rPr lang="en-US" smtClean="0"/>
-              <a:t>8/3/2011</a:t>
+              <a:pPr/>
+              <a:t>9/19/11</a:t>
             </a:fld>
             <a:endParaRPr lang="en-US" dirty="0"/>
           </a:p>
@@ -504,6 +508,7 @@
           <a:p>
             <a:fld id="{88426157-8B29-4207-9A30-F524D8FBE366}" type="slidenum">
               <a:rPr lang="en-US" smtClean="0"/>
+              <a:pPr/>
               <a:t>‹#›</a:t>
             </a:fld>
             <a:endParaRPr lang="en-US" dirty="0"/>
@@ -513,7 +518,7 @@
     </p:spTree>
     <p:extLst>
       <p:ext uri="{BB962C8B-B14F-4D97-AF65-F5344CB8AC3E}">
-        <p14:creationId xmlns:p14="http://schemas.microsoft.com/office/powerpoint/2010/main" val="639677799"/>
+        <p14:creationId xmlns:p14="http://schemas.microsoft.com/office/powerpoint/2010/main" xmlns:p="http://schemas.openxmlformats.org/presentationml/2006/main" xmlns:r="http://schemas.openxmlformats.org/officeDocument/2006/relationships" xmlns:a="http://schemas.openxmlformats.org/drawingml/2006/main" xmlns="" val="639677799"/>
       </p:ext>
     </p:extLst>
   </p:cSld>
@@ -524,7 +529,7 @@
 </file>
 
 <file path=ppt/slideLayouts/slideLayout11.xml><?xml version="1.0" encoding="utf-8"?>
-<p:sldLayout xmlns:a="http://schemas.openxmlformats.org/drawingml/2006/main" xmlns:r="http://schemas.openxmlformats.org/officeDocument/2006/relationships" xmlns:p="http://schemas.openxmlformats.org/presentationml/2006/main" type="vertTitleAndTx" preserve="1">
+<p:sldLayout xmlns:a="http://schemas.openxmlformats.org/drawingml/2006/main" xmlns:r="http://schemas.openxmlformats.org/officeDocument/2006/relationships" xmlns:mc="http://schemas.openxmlformats.org/markup-compatibility/2006" xmlns:mv="urn:schemas-microsoft-com:mac:vml" xmlns:p="http://schemas.openxmlformats.org/presentationml/2006/main" mc:Ignorable="mv" mc:PreserveAttributes="mv:*" type="vertTitleAndTx" preserve="1">
   <p:cSld name="Vertical Title and Text">
     <p:spTree>
       <p:nvGrpSpPr>
@@ -642,7 +647,8 @@
           <a:p>
             <a:fld id="{FCD849ED-D095-4409-898A-E3F8B21476F0}" type="datetimeFigureOut">
               <a:rPr lang="en-US" smtClean="0"/>
-              <a:t>8/3/2011</a:t>
+              <a:pPr/>
+              <a:t>9/19/11</a:t>
             </a:fld>
             <a:endParaRPr lang="en-US" dirty="0"/>
           </a:p>
@@ -684,6 +690,7 @@
           <a:p>
             <a:fld id="{88426157-8B29-4207-9A30-F524D8FBE366}" type="slidenum">
               <a:rPr lang="en-US" smtClean="0"/>
+              <a:pPr/>
               <a:t>‹#›</a:t>
             </a:fld>
             <a:endParaRPr lang="en-US" dirty="0"/>
@@ -693,7 +700,7 @@
     </p:spTree>
     <p:extLst>
       <p:ext uri="{BB962C8B-B14F-4D97-AF65-F5344CB8AC3E}">
-        <p14:creationId xmlns:p14="http://schemas.microsoft.com/office/powerpoint/2010/main" val="108242855"/>
+        <p14:creationId xmlns:p14="http://schemas.microsoft.com/office/powerpoint/2010/main" xmlns:p="http://schemas.openxmlformats.org/presentationml/2006/main" xmlns:r="http://schemas.openxmlformats.org/officeDocument/2006/relationships" xmlns:a="http://schemas.openxmlformats.org/drawingml/2006/main" xmlns="" val="108242855"/>
       </p:ext>
     </p:extLst>
   </p:cSld>
@@ -704,7 +711,7 @@
 </file>
 
 <file path=ppt/slideLayouts/slideLayout2.xml><?xml version="1.0" encoding="utf-8"?>
-<p:sldLayout xmlns:a="http://schemas.openxmlformats.org/drawingml/2006/main" xmlns:r="http://schemas.openxmlformats.org/officeDocument/2006/relationships" xmlns:p="http://schemas.openxmlformats.org/presentationml/2006/main" type="obj" preserve="1">
+<p:sldLayout xmlns:a="http://schemas.openxmlformats.org/drawingml/2006/main" xmlns:r="http://schemas.openxmlformats.org/officeDocument/2006/relationships" xmlns:mc="http://schemas.openxmlformats.org/markup-compatibility/2006" xmlns:mv="urn:schemas-microsoft-com:mac:vml" xmlns:p="http://schemas.openxmlformats.org/presentationml/2006/main" mc:Ignorable="mv" mc:PreserveAttributes="mv:*" type="obj" preserve="1">
   <p:cSld name="Title and Content">
     <p:spTree>
       <p:nvGrpSpPr>
@@ -812,7 +819,8 @@
           <a:p>
             <a:fld id="{FCD849ED-D095-4409-898A-E3F8B21476F0}" type="datetimeFigureOut">
               <a:rPr lang="en-US" smtClean="0"/>
-              <a:t>8/3/2011</a:t>
+              <a:pPr/>
+              <a:t>9/19/11</a:t>
             </a:fld>
             <a:endParaRPr lang="en-US" dirty="0"/>
           </a:p>
@@ -854,6 +862,7 @@
           <a:p>
             <a:fld id="{88426157-8B29-4207-9A30-F524D8FBE366}" type="slidenum">
               <a:rPr lang="en-US" smtClean="0"/>
+              <a:pPr/>
               <a:t>‹#›</a:t>
             </a:fld>
             <a:endParaRPr lang="en-US" dirty="0"/>
@@ -863,7 +872,7 @@
     </p:spTree>
     <p:extLst>
       <p:ext uri="{BB962C8B-B14F-4D97-AF65-F5344CB8AC3E}">
-        <p14:creationId xmlns:p14="http://schemas.microsoft.com/office/powerpoint/2010/main" val="4147044976"/>
+        <p14:creationId xmlns:p14="http://schemas.microsoft.com/office/powerpoint/2010/main" xmlns:p="http://schemas.openxmlformats.org/presentationml/2006/main" xmlns:r="http://schemas.openxmlformats.org/officeDocument/2006/relationships" xmlns:a="http://schemas.openxmlformats.org/drawingml/2006/main" xmlns="" val="4147044976"/>
       </p:ext>
     </p:extLst>
   </p:cSld>
@@ -874,7 +883,7 @@
 </file>
 
 <file path=ppt/slideLayouts/slideLayout3.xml><?xml version="1.0" encoding="utf-8"?>
-<p:sldLayout xmlns:a="http://schemas.openxmlformats.org/drawingml/2006/main" xmlns:r="http://schemas.openxmlformats.org/officeDocument/2006/relationships" xmlns:p="http://schemas.openxmlformats.org/presentationml/2006/main" type="secHead" preserve="1">
+<p:sldLayout xmlns:a="http://schemas.openxmlformats.org/drawingml/2006/main" xmlns:r="http://schemas.openxmlformats.org/officeDocument/2006/relationships" xmlns:mc="http://schemas.openxmlformats.org/markup-compatibility/2006" xmlns:mv="urn:schemas-microsoft-com:mac:vml" xmlns:p="http://schemas.openxmlformats.org/presentationml/2006/main" mc:Ignorable="mv" mc:PreserveAttributes="mv:*" type="secHead" preserve="1">
   <p:cSld name="Section Header">
     <p:spTree>
       <p:nvGrpSpPr>
@@ -1058,7 +1067,8 @@
           <a:p>
             <a:fld id="{FCD849ED-D095-4409-898A-E3F8B21476F0}" type="datetimeFigureOut">
               <a:rPr lang="en-US" smtClean="0"/>
-              <a:t>8/3/2011</a:t>
+              <a:pPr/>
+              <a:t>9/19/11</a:t>
             </a:fld>
             <a:endParaRPr lang="en-US" dirty="0"/>
           </a:p>
@@ -1100,6 +1110,7 @@
           <a:p>
             <a:fld id="{88426157-8B29-4207-9A30-F524D8FBE366}" type="slidenum">
               <a:rPr lang="en-US" smtClean="0"/>
+              <a:pPr/>
               <a:t>‹#›</a:t>
             </a:fld>
             <a:endParaRPr lang="en-US" dirty="0"/>
@@ -1109,7 +1120,7 @@
     </p:spTree>
     <p:extLst>
       <p:ext uri="{BB962C8B-B14F-4D97-AF65-F5344CB8AC3E}">
-        <p14:creationId xmlns:p14="http://schemas.microsoft.com/office/powerpoint/2010/main" val="1475875891"/>
+        <p14:creationId xmlns:p14="http://schemas.microsoft.com/office/powerpoint/2010/main" xmlns:p="http://schemas.openxmlformats.org/presentationml/2006/main" xmlns:r="http://schemas.openxmlformats.org/officeDocument/2006/relationships" xmlns:a="http://schemas.openxmlformats.org/drawingml/2006/main" xmlns="" val="1475875891"/>
       </p:ext>
     </p:extLst>
   </p:cSld>
@@ -1120,7 +1131,7 @@
 </file>
 
 <file path=ppt/slideLayouts/slideLayout4.xml><?xml version="1.0" encoding="utf-8"?>
-<p:sldLayout xmlns:a="http://schemas.openxmlformats.org/drawingml/2006/main" xmlns:r="http://schemas.openxmlformats.org/officeDocument/2006/relationships" xmlns:p="http://schemas.openxmlformats.org/presentationml/2006/main" type="twoObj" preserve="1">
+<p:sldLayout xmlns:a="http://schemas.openxmlformats.org/drawingml/2006/main" xmlns:r="http://schemas.openxmlformats.org/officeDocument/2006/relationships" xmlns:mc="http://schemas.openxmlformats.org/markup-compatibility/2006" xmlns:mv="urn:schemas-microsoft-com:mac:vml" xmlns:p="http://schemas.openxmlformats.org/presentationml/2006/main" mc:Ignorable="mv" mc:PreserveAttributes="mv:*" type="twoObj" preserve="1">
   <p:cSld name="Two Content">
     <p:spTree>
       <p:nvGrpSpPr>
@@ -1346,7 +1357,8 @@
           <a:p>
             <a:fld id="{FCD849ED-D095-4409-898A-E3F8B21476F0}" type="datetimeFigureOut">
               <a:rPr lang="en-US" smtClean="0"/>
-              <a:t>8/3/2011</a:t>
+              <a:pPr/>
+              <a:t>9/19/11</a:t>
             </a:fld>
             <a:endParaRPr lang="en-US" dirty="0"/>
           </a:p>
@@ -1388,6 +1400,7 @@
           <a:p>
             <a:fld id="{88426157-8B29-4207-9A30-F524D8FBE366}" type="slidenum">
               <a:rPr lang="en-US" smtClean="0"/>
+              <a:pPr/>
               <a:t>‹#›</a:t>
             </a:fld>
             <a:endParaRPr lang="en-US" dirty="0"/>
@@ -1397,7 +1410,7 @@
     </p:spTree>
     <p:extLst>
       <p:ext uri="{BB962C8B-B14F-4D97-AF65-F5344CB8AC3E}">
-        <p14:creationId xmlns:p14="http://schemas.microsoft.com/office/powerpoint/2010/main" val="1124780760"/>
+        <p14:creationId xmlns:p14="http://schemas.microsoft.com/office/powerpoint/2010/main" xmlns:p="http://schemas.openxmlformats.org/presentationml/2006/main" xmlns:r="http://schemas.openxmlformats.org/officeDocument/2006/relationships" xmlns:a="http://schemas.openxmlformats.org/drawingml/2006/main" xmlns="" val="1124780760"/>
       </p:ext>
     </p:extLst>
   </p:cSld>
@@ -1408,7 +1421,7 @@
 </file>
 
 <file path=ppt/slideLayouts/slideLayout5.xml><?xml version="1.0" encoding="utf-8"?>
-<p:sldLayout xmlns:a="http://schemas.openxmlformats.org/drawingml/2006/main" xmlns:r="http://schemas.openxmlformats.org/officeDocument/2006/relationships" xmlns:p="http://schemas.openxmlformats.org/presentationml/2006/main" type="twoTxTwoObj" preserve="1">
+<p:sldLayout xmlns:a="http://schemas.openxmlformats.org/drawingml/2006/main" xmlns:r="http://schemas.openxmlformats.org/officeDocument/2006/relationships" xmlns:mc="http://schemas.openxmlformats.org/markup-compatibility/2006" xmlns:mv="urn:schemas-microsoft-com:mac:vml" xmlns:p="http://schemas.openxmlformats.org/presentationml/2006/main" mc:Ignorable="mv" mc:PreserveAttributes="mv:*" type="twoTxTwoObj" preserve="1">
   <p:cSld name="Comparison">
     <p:spTree>
       <p:nvGrpSpPr>
@@ -1768,7 +1781,8 @@
           <a:p>
             <a:fld id="{FCD849ED-D095-4409-898A-E3F8B21476F0}" type="datetimeFigureOut">
               <a:rPr lang="en-US" smtClean="0"/>
-              <a:t>8/3/2011</a:t>
+              <a:pPr/>
+              <a:t>9/19/11</a:t>
             </a:fld>
             <a:endParaRPr lang="en-US" dirty="0"/>
           </a:p>
@@ -1810,6 +1824,7 @@
           <a:p>
             <a:fld id="{88426157-8B29-4207-9A30-F524D8FBE366}" type="slidenum">
               <a:rPr lang="en-US" smtClean="0"/>
+              <a:pPr/>
               <a:t>‹#›</a:t>
             </a:fld>
             <a:endParaRPr lang="en-US" dirty="0"/>
@@ -1819,7 +1834,7 @@
     </p:spTree>
     <p:extLst>
       <p:ext uri="{BB962C8B-B14F-4D97-AF65-F5344CB8AC3E}">
-        <p14:creationId xmlns:p14="http://schemas.microsoft.com/office/powerpoint/2010/main" val="1572707511"/>
+        <p14:creationId xmlns:p14="http://schemas.microsoft.com/office/powerpoint/2010/main" xmlns:p="http://schemas.openxmlformats.org/presentationml/2006/main" xmlns:r="http://schemas.openxmlformats.org/officeDocument/2006/relationships" xmlns:a="http://schemas.openxmlformats.org/drawingml/2006/main" xmlns="" val="1572707511"/>
       </p:ext>
     </p:extLst>
   </p:cSld>
@@ -1830,7 +1845,7 @@
 </file>
 
 <file path=ppt/slideLayouts/slideLayout6.xml><?xml version="1.0" encoding="utf-8"?>
-<p:sldLayout xmlns:a="http://schemas.openxmlformats.org/drawingml/2006/main" xmlns:r="http://schemas.openxmlformats.org/officeDocument/2006/relationships" xmlns:p="http://schemas.openxmlformats.org/presentationml/2006/main" type="titleOnly" preserve="1">
+<p:sldLayout xmlns:a="http://schemas.openxmlformats.org/drawingml/2006/main" xmlns:r="http://schemas.openxmlformats.org/officeDocument/2006/relationships" xmlns:mc="http://schemas.openxmlformats.org/markup-compatibility/2006" xmlns:mv="urn:schemas-microsoft-com:mac:vml" xmlns:p="http://schemas.openxmlformats.org/presentationml/2006/main" mc:Ignorable="mv" mc:PreserveAttributes="mv:*" type="titleOnly" preserve="1">
   <p:cSld name="Title Only">
     <p:spTree>
       <p:nvGrpSpPr>
@@ -1886,7 +1901,8 @@
           <a:p>
             <a:fld id="{FCD849ED-D095-4409-898A-E3F8B21476F0}" type="datetimeFigureOut">
               <a:rPr lang="en-US" smtClean="0"/>
-              <a:t>8/3/2011</a:t>
+              <a:pPr/>
+              <a:t>9/19/11</a:t>
             </a:fld>
             <a:endParaRPr lang="en-US" dirty="0"/>
           </a:p>
@@ -1928,6 +1944,7 @@
           <a:p>
             <a:fld id="{88426157-8B29-4207-9A30-F524D8FBE366}" type="slidenum">
               <a:rPr lang="en-US" smtClean="0"/>
+              <a:pPr/>
               <a:t>‹#›</a:t>
             </a:fld>
             <a:endParaRPr lang="en-US" dirty="0"/>
@@ -1937,7 +1954,7 @@
     </p:spTree>
     <p:extLst>
       <p:ext uri="{BB962C8B-B14F-4D97-AF65-F5344CB8AC3E}">
-        <p14:creationId xmlns:p14="http://schemas.microsoft.com/office/powerpoint/2010/main" val="2784794751"/>
+        <p14:creationId xmlns:p14="http://schemas.microsoft.com/office/powerpoint/2010/main" xmlns:p="http://schemas.openxmlformats.org/presentationml/2006/main" xmlns:r="http://schemas.openxmlformats.org/officeDocument/2006/relationships" xmlns:a="http://schemas.openxmlformats.org/drawingml/2006/main" xmlns="" val="2784794751"/>
       </p:ext>
     </p:extLst>
   </p:cSld>
@@ -1948,7 +1965,7 @@
 </file>
 
 <file path=ppt/slideLayouts/slideLayout7.xml><?xml version="1.0" encoding="utf-8"?>
-<p:sldLayout xmlns:a="http://schemas.openxmlformats.org/drawingml/2006/main" xmlns:r="http://schemas.openxmlformats.org/officeDocument/2006/relationships" xmlns:p="http://schemas.openxmlformats.org/presentationml/2006/main" type="blank" preserve="1">
+<p:sldLayout xmlns:a="http://schemas.openxmlformats.org/drawingml/2006/main" xmlns:r="http://schemas.openxmlformats.org/officeDocument/2006/relationships" xmlns:mc="http://schemas.openxmlformats.org/markup-compatibility/2006" xmlns:mv="urn:schemas-microsoft-com:mac:vml" xmlns:p="http://schemas.openxmlformats.org/presentationml/2006/main" mc:Ignorable="mv" mc:PreserveAttributes="mv:*" type="blank" preserve="1">
   <p:cSld name="Blank">
     <p:spTree>
       <p:nvGrpSpPr>
@@ -1981,7 +1998,8 @@
           <a:p>
             <a:fld id="{FCD849ED-D095-4409-898A-E3F8B21476F0}" type="datetimeFigureOut">
               <a:rPr lang="en-US" smtClean="0"/>
-              <a:t>8/3/2011</a:t>
+              <a:pPr/>
+              <a:t>9/19/11</a:t>
             </a:fld>
             <a:endParaRPr lang="en-US" dirty="0"/>
           </a:p>
@@ -2023,6 +2041,7 @@
           <a:p>
             <a:fld id="{88426157-8B29-4207-9A30-F524D8FBE366}" type="slidenum">
               <a:rPr lang="en-US" smtClean="0"/>
+              <a:pPr/>
               <a:t>‹#›</a:t>
             </a:fld>
             <a:endParaRPr lang="en-US" dirty="0"/>
@@ -2032,7 +2051,7 @@
     </p:spTree>
     <p:extLst>
       <p:ext uri="{BB962C8B-B14F-4D97-AF65-F5344CB8AC3E}">
-        <p14:creationId xmlns:p14="http://schemas.microsoft.com/office/powerpoint/2010/main" val="2292273936"/>
+        <p14:creationId xmlns:p14="http://schemas.microsoft.com/office/powerpoint/2010/main" xmlns:p="http://schemas.openxmlformats.org/presentationml/2006/main" xmlns:r="http://schemas.openxmlformats.org/officeDocument/2006/relationships" xmlns:a="http://schemas.openxmlformats.org/drawingml/2006/main" xmlns="" val="2292273936"/>
       </p:ext>
     </p:extLst>
   </p:cSld>
@@ -2043,7 +2062,7 @@
 </file>
 
 <file path=ppt/slideLayouts/slideLayout8.xml><?xml version="1.0" encoding="utf-8"?>
-<p:sldLayout xmlns:a="http://schemas.openxmlformats.org/drawingml/2006/main" xmlns:r="http://schemas.openxmlformats.org/officeDocument/2006/relationships" xmlns:p="http://schemas.openxmlformats.org/presentationml/2006/main" type="objTx" preserve="1">
+<p:sldLayout xmlns:a="http://schemas.openxmlformats.org/drawingml/2006/main" xmlns:r="http://schemas.openxmlformats.org/officeDocument/2006/relationships" xmlns:mc="http://schemas.openxmlformats.org/markup-compatibility/2006" xmlns:mv="urn:schemas-microsoft-com:mac:vml" xmlns:p="http://schemas.openxmlformats.org/presentationml/2006/main" mc:Ignorable="mv" mc:PreserveAttributes="mv:*" type="objTx" preserve="1">
   <p:cSld name="Content with Caption">
     <p:spTree>
       <p:nvGrpSpPr>
@@ -2258,7 +2277,8 @@
           <a:p>
             <a:fld id="{FCD849ED-D095-4409-898A-E3F8B21476F0}" type="datetimeFigureOut">
               <a:rPr lang="en-US" smtClean="0"/>
-              <a:t>8/3/2011</a:t>
+              <a:pPr/>
+              <a:t>9/19/11</a:t>
             </a:fld>
             <a:endParaRPr lang="en-US" dirty="0"/>
           </a:p>
@@ -2300,6 +2320,7 @@
           <a:p>
             <a:fld id="{88426157-8B29-4207-9A30-F524D8FBE366}" type="slidenum">
               <a:rPr lang="en-US" smtClean="0"/>
+              <a:pPr/>
               <a:t>‹#›</a:t>
             </a:fld>
             <a:endParaRPr lang="en-US" dirty="0"/>
@@ -2309,7 +2330,7 @@
     </p:spTree>
     <p:extLst>
       <p:ext uri="{BB962C8B-B14F-4D97-AF65-F5344CB8AC3E}">
-        <p14:creationId xmlns:p14="http://schemas.microsoft.com/office/powerpoint/2010/main" val="660348267"/>
+        <p14:creationId xmlns:p14="http://schemas.microsoft.com/office/powerpoint/2010/main" xmlns:p="http://schemas.openxmlformats.org/presentationml/2006/main" xmlns:r="http://schemas.openxmlformats.org/officeDocument/2006/relationships" xmlns:a="http://schemas.openxmlformats.org/drawingml/2006/main" xmlns="" val="660348267"/>
       </p:ext>
     </p:extLst>
   </p:cSld>
@@ -2320,7 +2341,7 @@
 </file>
 
 <file path=ppt/slideLayouts/slideLayout9.xml><?xml version="1.0" encoding="utf-8"?>
-<p:sldLayout xmlns:a="http://schemas.openxmlformats.org/drawingml/2006/main" xmlns:r="http://schemas.openxmlformats.org/officeDocument/2006/relationships" xmlns:p="http://schemas.openxmlformats.org/presentationml/2006/main" type="picTx" preserve="1">
+<p:sldLayout xmlns:a="http://schemas.openxmlformats.org/drawingml/2006/main" xmlns:r="http://schemas.openxmlformats.org/officeDocument/2006/relationships" xmlns:mc="http://schemas.openxmlformats.org/markup-compatibility/2006" xmlns:mv="urn:schemas-microsoft-com:mac:vml" xmlns:p="http://schemas.openxmlformats.org/presentationml/2006/main" mc:Ignorable="mv" mc:PreserveAttributes="mv:*" type="picTx" preserve="1">
   <p:cSld name="Picture with Caption">
     <p:spTree>
       <p:nvGrpSpPr>
@@ -2511,7 +2532,8 @@
           <a:p>
             <a:fld id="{FCD849ED-D095-4409-898A-E3F8B21476F0}" type="datetimeFigureOut">
               <a:rPr lang="en-US" smtClean="0"/>
-              <a:t>8/3/2011</a:t>
+              <a:pPr/>
+              <a:t>9/19/11</a:t>
             </a:fld>
             <a:endParaRPr lang="en-US" dirty="0"/>
           </a:p>
@@ -2553,6 +2575,7 @@
           <a:p>
             <a:fld id="{88426157-8B29-4207-9A30-F524D8FBE366}" type="slidenum">
               <a:rPr lang="en-US" smtClean="0"/>
+              <a:pPr/>
               <a:t>‹#›</a:t>
             </a:fld>
             <a:endParaRPr lang="en-US" dirty="0"/>
@@ -2562,7 +2585,7 @@
     </p:spTree>
     <p:extLst>
       <p:ext uri="{BB962C8B-B14F-4D97-AF65-F5344CB8AC3E}">
-        <p14:creationId xmlns:p14="http://schemas.microsoft.com/office/powerpoint/2010/main" val="387915209"/>
+        <p14:creationId xmlns:p14="http://schemas.microsoft.com/office/powerpoint/2010/main" xmlns:p="http://schemas.openxmlformats.org/presentationml/2006/main" xmlns:r="http://schemas.openxmlformats.org/officeDocument/2006/relationships" xmlns:a="http://schemas.openxmlformats.org/drawingml/2006/main" xmlns="" val="387915209"/>
       </p:ext>
     </p:extLst>
   </p:cSld>
@@ -2573,7 +2596,7 @@
 </file>
 
 <file path=ppt/slideMasters/slideMaster1.xml><?xml version="1.0" encoding="utf-8"?>
-<p:sldMaster xmlns:a="http://schemas.openxmlformats.org/drawingml/2006/main" xmlns:r="http://schemas.openxmlformats.org/officeDocument/2006/relationships" xmlns:p="http://schemas.openxmlformats.org/presentationml/2006/main">
+<p:sldMaster xmlns:a="http://schemas.openxmlformats.org/drawingml/2006/main" xmlns:r="http://schemas.openxmlformats.org/officeDocument/2006/relationships" xmlns:mc="http://schemas.openxmlformats.org/markup-compatibility/2006" xmlns:mv="urn:schemas-microsoft-com:mac:vml" xmlns:p="http://schemas.openxmlformats.org/presentationml/2006/main" mc:Ignorable="mv" mc:PreserveAttributes="mv:*">
   <p:cSld>
     <p:bg>
       <p:bgRef idx="1001">
@@ -2724,7 +2747,8 @@
           <a:p>
             <a:fld id="{FCD849ED-D095-4409-898A-E3F8B21476F0}" type="datetimeFigureOut">
               <a:rPr lang="en-US" smtClean="0"/>
-              <a:t>8/3/2011</a:t>
+              <a:pPr/>
+              <a:t>9/19/11</a:t>
             </a:fld>
             <a:endParaRPr lang="en-US" dirty="0"/>
           </a:p>
@@ -2802,6 +2826,7 @@
           <a:p>
             <a:fld id="{88426157-8B29-4207-9A30-F524D8FBE366}" type="slidenum">
               <a:rPr lang="en-US" smtClean="0"/>
+              <a:pPr/>
               <a:t>‹#›</a:t>
             </a:fld>
             <a:endParaRPr lang="en-US" dirty="0"/>
@@ -2811,7 +2836,7 @@
     </p:spTree>
     <p:extLst>
       <p:ext uri="{BB962C8B-B14F-4D97-AF65-F5344CB8AC3E}">
-        <p14:creationId xmlns:p14="http://schemas.microsoft.com/office/powerpoint/2010/main" val="2672551201"/>
+        <p14:creationId xmlns:p14="http://schemas.microsoft.com/office/powerpoint/2010/main" xmlns:p="http://schemas.openxmlformats.org/presentationml/2006/main" xmlns:r="http://schemas.openxmlformats.org/officeDocument/2006/relationships" xmlns:a="http://schemas.openxmlformats.org/drawingml/2006/main" xmlns="" val="2672551201"/>
       </p:ext>
     </p:extLst>
   </p:cSld>
@@ -3083,7 +3108,7 @@
 </file>
 
 <file path=ppt/slides/slide1.xml><?xml version="1.0" encoding="utf-8"?>
-<p:sld xmlns:a="http://schemas.openxmlformats.org/drawingml/2006/main" xmlns:r="http://schemas.openxmlformats.org/officeDocument/2006/relationships" xmlns:p="http://schemas.openxmlformats.org/presentationml/2006/main">
+<p:sld xmlns:a="http://schemas.openxmlformats.org/drawingml/2006/main" xmlns:r="http://schemas.openxmlformats.org/officeDocument/2006/relationships" xmlns:mc="http://schemas.openxmlformats.org/markup-compatibility/2006" xmlns:mv="urn:schemas-microsoft-com:mac:vml" xmlns:p="http://schemas.openxmlformats.org/presentationml/2006/main" mc:Ignorable="mv" mc:PreserveAttributes="mv:*">
   <p:cSld>
     <p:spTree>
       <p:nvGrpSpPr>
@@ -3381,7 +3406,7 @@
     </p:spTree>
     <p:extLst>
       <p:ext uri="{BB962C8B-B14F-4D97-AF65-F5344CB8AC3E}">
-        <p14:creationId xmlns:p14="http://schemas.microsoft.com/office/powerpoint/2010/main" val="3241426280"/>
+        <p14:creationId xmlns:p14="http://schemas.microsoft.com/office/powerpoint/2010/main" xmlns:p="http://schemas.openxmlformats.org/presentationml/2006/main" xmlns:r="http://schemas.openxmlformats.org/officeDocument/2006/relationships" xmlns:a="http://schemas.openxmlformats.org/drawingml/2006/main" xmlns="" val="3241426280"/>
       </p:ext>
     </p:extLst>
   </p:cSld>
@@ -3399,7 +3424,7 @@
 </file>
 
 <file path=ppt/slides/slide2.xml><?xml version="1.0" encoding="utf-8"?>
-<p:sld xmlns:a="http://schemas.openxmlformats.org/drawingml/2006/main" xmlns:r="http://schemas.openxmlformats.org/officeDocument/2006/relationships" xmlns:p="http://schemas.openxmlformats.org/presentationml/2006/main">
+<p:sld xmlns:a="http://schemas.openxmlformats.org/drawingml/2006/main" xmlns:r="http://schemas.openxmlformats.org/officeDocument/2006/relationships" xmlns:mc="http://schemas.openxmlformats.org/markup-compatibility/2006" xmlns:mv="urn:schemas-microsoft-com:mac:vml" xmlns:p="http://schemas.openxmlformats.org/presentationml/2006/main" mc:Ignorable="mv" mc:PreserveAttributes="mv:*">
   <p:cSld>
     <p:spTree>
       <p:nvGrpSpPr>
@@ -3962,7 +3987,7 @@
           <a:blip r:embed="rId2">
             <a:extLst>
               <a:ext uri="{28A0092B-C50C-407E-A947-70E740481C1C}">
-                <a14:useLocalDpi xmlns:a14="http://schemas.microsoft.com/office/drawing/2010/main" val="0"/>
+                <a14:useLocalDpi xmlns:a14="http://schemas.microsoft.com/office/drawing/2010/main" xmlns:p="http://schemas.openxmlformats.org/presentationml/2006/main" xmlns:r="http://schemas.openxmlformats.org/officeDocument/2006/relationships" xmlns:a="http://schemas.openxmlformats.org/drawingml/2006/main" xmlns="" val="0"/>
               </a:ext>
             </a:extLst>
           </a:blip>
@@ -3986,14 +4011,14 @@
           <a:effectLst/>
           <a:extLst>
             <a:ext uri="{909E8E84-426E-40DD-AFC4-6F175D3DCCD1}">
-              <a14:hiddenFill xmlns:a14="http://schemas.microsoft.com/office/drawing/2010/main">
+              <a14:hiddenFill xmlns:a14="http://schemas.microsoft.com/office/drawing/2010/main" xmlns:p="http://schemas.openxmlformats.org/presentationml/2006/main" xmlns:r="http://schemas.openxmlformats.org/officeDocument/2006/relationships" xmlns:a="http://schemas.openxmlformats.org/drawingml/2006/main" xmlns="">
                 <a:solidFill>
                   <a:schemeClr val="accent1"/>
                 </a:solidFill>
               </a14:hiddenFill>
             </a:ext>
             <a:ext uri="{91240B29-F687-4F45-9708-019B960494DF}">
-              <a14:hiddenLine xmlns:a14="http://schemas.microsoft.com/office/drawing/2010/main" w="9525">
+              <a14:hiddenLine xmlns:a14="http://schemas.microsoft.com/office/drawing/2010/main" xmlns:p="http://schemas.openxmlformats.org/presentationml/2006/main" xmlns:r="http://schemas.openxmlformats.org/officeDocument/2006/relationships" xmlns:a="http://schemas.openxmlformats.org/drawingml/2006/main" xmlns="" w="9525">
                 <a:solidFill>
                   <a:schemeClr val="tx1"/>
                 </a:solidFill>
@@ -4003,7 +4028,7 @@
               </a14:hiddenLine>
             </a:ext>
             <a:ext uri="{AF507438-7753-43E0-B8FC-AC1667EBCBE1}">
-              <a14:hiddenEffects xmlns:a14="http://schemas.microsoft.com/office/drawing/2010/main">
+              <a14:hiddenEffects xmlns:a14="http://schemas.microsoft.com/office/drawing/2010/main" xmlns:p="http://schemas.openxmlformats.org/presentationml/2006/main" xmlns:r="http://schemas.openxmlformats.org/officeDocument/2006/relationships" xmlns:a="http://schemas.openxmlformats.org/drawingml/2006/main" xmlns="">
                 <a:effectLst>
                   <a:outerShdw dist="35921" dir="2700000" algn="ctr" rotWithShape="0">
                     <a:schemeClr val="bg2"/>
@@ -4017,7 +4042,7 @@
     </p:spTree>
     <p:extLst>
       <p:ext uri="{BB962C8B-B14F-4D97-AF65-F5344CB8AC3E}">
-        <p14:creationId xmlns:p14="http://schemas.microsoft.com/office/powerpoint/2010/main" val="3509810298"/>
+        <p14:creationId xmlns:p14="http://schemas.microsoft.com/office/powerpoint/2010/main" xmlns:p="http://schemas.openxmlformats.org/presentationml/2006/main" xmlns:r="http://schemas.openxmlformats.org/officeDocument/2006/relationships" xmlns:a="http://schemas.openxmlformats.org/drawingml/2006/main" xmlns="" val="3509810298"/>
       </p:ext>
     </p:extLst>
   </p:cSld>
@@ -4035,7 +4060,306 @@
 </file>
 
 <file path=ppt/slides/slide3.xml><?xml version="1.0" encoding="utf-8"?>
-<p:sld xmlns:a="http://schemas.openxmlformats.org/drawingml/2006/main" xmlns:r="http://schemas.openxmlformats.org/officeDocument/2006/relationships" xmlns:p="http://schemas.openxmlformats.org/presentationml/2006/main">
+<p:sld xmlns:a="http://schemas.openxmlformats.org/drawingml/2006/main" xmlns:r="http://schemas.openxmlformats.org/officeDocument/2006/relationships" xmlns:mc="http://schemas.openxmlformats.org/markup-compatibility/2006" xmlns:mv="urn:schemas-microsoft-com:mac:vml" xmlns:p="http://schemas.openxmlformats.org/presentationml/2006/main" mc:Ignorable="mv" mc:PreserveAttributes="mv:*">
+  <p:cSld>
+    <p:spTree>
+      <p:nvGrpSpPr>
+        <p:cNvPr id="1" name=""/>
+        <p:cNvGrpSpPr/>
+        <p:nvPr/>
+      </p:nvGrpSpPr>
+      <p:grpSpPr>
+        <a:xfrm>
+          <a:off x="0" y="0"/>
+          <a:ext cx="0" cy="0"/>
+          <a:chOff x="0" y="0"/>
+          <a:chExt cx="0" cy="0"/>
+        </a:xfrm>
+      </p:grpSpPr>
+      <p:sp>
+        <p:nvSpPr>
+          <p:cNvPr id="12" name="Content Placeholder 2"/>
+          <p:cNvSpPr>
+            <a:spLocks noGrp="1"/>
+          </p:cNvSpPr>
+          <p:nvPr>
+            <p:ph idx="1"/>
+          </p:nvPr>
+        </p:nvSpPr>
+        <p:spPr>
+          <a:xfrm>
+            <a:off x="1447800" y="381000"/>
+            <a:ext cx="7181840" cy="715963"/>
+          </a:xfrm>
+        </p:spPr>
+        <p:txBody>
+          <a:bodyPr>
+            <a:normAutofit/>
+          </a:bodyPr>
+          <a:lstStyle/>
+          <a:p>
+            <a:pPr marL="0" indent="0">
+              <a:buNone/>
+            </a:pPr>
+            <a:r>
+              <a:rPr lang="en-US" dirty="0" smtClean="0"/>
+              <a:t>Workspace                         </a:t>
+            </a:r>
+            <a:r>
+              <a:rPr lang="en-US" dirty="0" smtClean="0"/>
+              <a:t> File System</a:t>
+            </a:r>
+            <a:endParaRPr lang="en-US" dirty="0"/>
+          </a:p>
+        </p:txBody>
+      </p:sp>
+      <p:sp>
+        <p:nvSpPr>
+          <p:cNvPr id="2" name="Flowchart: Magnetic Disk 1"/>
+          <p:cNvSpPr/>
+          <p:nvPr/>
+        </p:nvSpPr>
+        <p:spPr>
+          <a:xfrm>
+            <a:off x="4800600" y="1066800"/>
+            <a:ext cx="4050809" cy="2514600"/>
+          </a:xfrm>
+          <a:prstGeom prst="flowChartMagneticDisk">
+            <a:avLst/>
+          </a:prstGeom>
+        </p:spPr>
+        <p:style>
+          <a:lnRef idx="1">
+            <a:schemeClr val="accent1"/>
+          </a:lnRef>
+          <a:fillRef idx="2">
+            <a:schemeClr val="accent1"/>
+          </a:fillRef>
+          <a:effectRef idx="1">
+            <a:schemeClr val="accent1"/>
+          </a:effectRef>
+          <a:fontRef idx="minor">
+            <a:schemeClr val="dk1"/>
+          </a:fontRef>
+        </p:style>
+        <p:txBody>
+          <a:bodyPr rtlCol="0" anchor="ctr"/>
+          <a:lstStyle/>
+          <a:p>
+            <a:pPr algn="ctr"/>
+            <a:r>
+              <a:rPr lang="en-US" dirty="0" smtClean="0"/>
+              <a:t>/path/to/my</a:t>
+            </a:r>
+            <a:r>
+              <a:rPr lang="en-US" dirty="0" smtClean="0"/>
+              <a:t>/Workspace</a:t>
+            </a:r>
+            <a:endParaRPr lang="en-US" dirty="0" smtClean="0"/>
+          </a:p>
+          <a:p>
+            <a:pPr algn="ctr"/>
+            <a:endParaRPr lang="en-US" dirty="0" smtClean="0"/>
+          </a:p>
+          <a:p>
+            <a:r>
+              <a:rPr lang="en-US" sz="1200" dirty="0" smtClean="0">
+                <a:latin typeface="Courier New" pitchFamily="49" charset="0"/>
+                <a:cs typeface="Courier New" pitchFamily="49" charset="0"/>
+              </a:rPr>
+              <a:t>   .</a:t>
+            </a:r>
+            <a:r>
+              <a:rPr lang="en-US" sz="1200" dirty="0">
+                <a:latin typeface="Courier New" pitchFamily="49" charset="0"/>
+                <a:cs typeface="Courier New" pitchFamily="49" charset="0"/>
+              </a:rPr>
+              <a:t>metadata</a:t>
+            </a:r>
+            <a:r>
+              <a:rPr lang="en-US" sz="1200" dirty="0" smtClean="0">
+                <a:latin typeface="Courier New" pitchFamily="49" charset="0"/>
+                <a:cs typeface="Courier New" pitchFamily="49" charset="0"/>
+              </a:rPr>
+              <a:t>/</a:t>
+            </a:r>
+          </a:p>
+          <a:p>
+            <a:r>
+              <a:rPr lang="en-US" sz="1200" dirty="0" smtClean="0">
+                <a:latin typeface="Courier New" pitchFamily="49" charset="0"/>
+                <a:cs typeface="Courier New" pitchFamily="49" charset="0"/>
+              </a:rPr>
+              <a:t> </a:t>
+            </a:r>
+            <a:r>
+              <a:rPr lang="en-US" sz="1200" dirty="0" smtClean="0">
+                <a:latin typeface="Courier New" pitchFamily="49" charset="0"/>
+                <a:cs typeface="Courier New" pitchFamily="49" charset="0"/>
+              </a:rPr>
+              <a:t>    .</a:t>
+            </a:r>
+            <a:r>
+              <a:rPr lang="en-US" sz="1200" dirty="0" smtClean="0">
+                <a:latin typeface="Courier New" pitchFamily="49" charset="0"/>
+                <a:cs typeface="Courier New" pitchFamily="49" charset="0"/>
+              </a:rPr>
+              <a:t>log</a:t>
+            </a:r>
+          </a:p>
+          <a:p>
+            <a:r>
+              <a:rPr lang="en-US" sz="1200" dirty="0">
+                <a:latin typeface="Courier New" pitchFamily="49" charset="0"/>
+                <a:cs typeface="Courier New" pitchFamily="49" charset="0"/>
+              </a:rPr>
+              <a:t> </a:t>
+            </a:r>
+            <a:r>
+              <a:rPr lang="en-US" sz="1200" dirty="0" smtClean="0">
+                <a:latin typeface="Courier New" pitchFamily="49" charset="0"/>
+                <a:cs typeface="Courier New" pitchFamily="49" charset="0"/>
+              </a:rPr>
+              <a:t>    .</a:t>
+            </a:r>
+            <a:r>
+              <a:rPr lang="en-US" sz="1200" dirty="0" smtClean="0">
+                <a:latin typeface="Courier New" pitchFamily="49" charset="0"/>
+                <a:cs typeface="Courier New" pitchFamily="49" charset="0"/>
+              </a:rPr>
+              <a:t>plugins</a:t>
+            </a:r>
+          </a:p>
+          <a:p>
+            <a:r>
+              <a:rPr lang="en-US" sz="1200" dirty="0">
+                <a:latin typeface="Courier New" pitchFamily="49" charset="0"/>
+                <a:cs typeface="Courier New" pitchFamily="49" charset="0"/>
+              </a:rPr>
+              <a:t> </a:t>
+            </a:r>
+            <a:r>
+              <a:rPr lang="en-US" sz="1200" dirty="0" smtClean="0">
+                <a:latin typeface="Courier New" pitchFamily="49" charset="0"/>
+                <a:cs typeface="Courier New" pitchFamily="49" charset="0"/>
+              </a:rPr>
+              <a:t>  </a:t>
+            </a:r>
+            <a:r>
+              <a:rPr lang="en-US" sz="1200" dirty="0" smtClean="0">
+                <a:latin typeface="Courier New" pitchFamily="49" charset="0"/>
+                <a:cs typeface="Courier New" pitchFamily="49" charset="0"/>
+              </a:rPr>
+              <a:t>     org.eclipse.core.runtime.settings</a:t>
+            </a:r>
+          </a:p>
+          <a:p>
+            <a:r>
+              <a:rPr lang="en-US" sz="1200" dirty="0" smtClean="0">
+                <a:latin typeface="Courier New" pitchFamily="49" charset="0"/>
+                <a:cs typeface="Courier New" pitchFamily="49" charset="0"/>
+              </a:rPr>
+              <a:t>   BOY Examples/</a:t>
+            </a:r>
+          </a:p>
+          <a:p>
+            <a:r>
+              <a:rPr lang="en-US" sz="1200" dirty="0" smtClean="0">
+                <a:latin typeface="Courier New" pitchFamily="49" charset="0"/>
+                <a:cs typeface="Courier New" pitchFamily="49" charset="0"/>
+              </a:rPr>
+              <a:t>   CSS/MyDisplay.opi</a:t>
+            </a:r>
+          </a:p>
+          <a:p>
+            <a:pPr algn="ctr"/>
+            <a:endParaRPr lang="en-US" dirty="0"/>
+          </a:p>
+        </p:txBody>
+      </p:sp>
+      <p:cxnSp>
+        <p:nvCxnSpPr>
+          <p:cNvPr id="37" name="Elbow Connector 36"/>
+          <p:cNvCxnSpPr/>
+          <p:nvPr/>
+        </p:nvCxnSpPr>
+        <p:spPr>
+          <a:xfrm>
+            <a:off x="3429000" y="2360612"/>
+            <a:ext cx="1371600" cy="1588"/>
+          </a:xfrm>
+          <a:prstGeom prst="bentConnector3">
+            <a:avLst>
+              <a:gd name="adj1" fmla="val 50000"/>
+            </a:avLst>
+          </a:prstGeom>
+          <a:ln>
+            <a:prstDash val="sysDash"/>
+            <a:headEnd type="triangle" w="lg" len="lg"/>
+            <a:tailEnd type="triangle" w="lg" len="lg"/>
+          </a:ln>
+        </p:spPr>
+        <p:style>
+          <a:lnRef idx="2">
+            <a:schemeClr val="accent2"/>
+          </a:lnRef>
+          <a:fillRef idx="0">
+            <a:schemeClr val="accent2"/>
+          </a:fillRef>
+          <a:effectRef idx="1">
+            <a:schemeClr val="accent2"/>
+          </a:effectRef>
+          <a:fontRef idx="minor">
+            <a:schemeClr val="tx1"/>
+          </a:fontRef>
+        </p:style>
+      </p:cxnSp>
+      <p:pic>
+        <p:nvPicPr>
+          <p:cNvPr id="9" name="Picture 8" descr="workspace.png"/>
+          <p:cNvPicPr>
+            <a:picLocks noChangeAspect="1"/>
+          </p:cNvPicPr>
+          <p:nvPr/>
+        </p:nvPicPr>
+        <p:blipFill>
+          <a:blip r:embed="rId2"/>
+          <a:stretch>
+            <a:fillRect/>
+          </a:stretch>
+        </p:blipFill>
+        <p:spPr>
+          <a:xfrm>
+            <a:off x="1447800" y="1143000"/>
+            <a:ext cx="1976892" cy="2425700"/>
+          </a:xfrm>
+          <a:prstGeom prst="rect">
+            <a:avLst/>
+          </a:prstGeom>
+        </p:spPr>
+      </p:pic>
+    </p:spTree>
+    <p:extLst>
+      <p:ext uri="{BB962C8B-B14F-4D97-AF65-F5344CB8AC3E}">
+        <p14:creationId xmlns:p14="http://schemas.microsoft.com/office/powerpoint/2010/main" xmlns:p="http://schemas.openxmlformats.org/presentationml/2006/main" xmlns:r="http://schemas.openxmlformats.org/officeDocument/2006/relationships" xmlns:a="http://schemas.openxmlformats.org/drawingml/2006/main" xmlns="" val="3509810298"/>
+      </p:ext>
+    </p:extLst>
+  </p:cSld>
+  <p:clrMapOvr>
+    <a:masterClrMapping/>
+  </p:clrMapOvr>
+  <p:timing>
+    <p:tnLst>
+      <p:par>
+        <p:cTn id="1" dur="indefinite" restart="never" nodeType="tmRoot"/>
+      </p:par>
+    </p:tnLst>
+  </p:timing>
+</p:sld>
+</file>
+
+<file path=ppt/slides/slide4.xml><?xml version="1.0" encoding="utf-8"?>
+<p:sld xmlns:a="http://schemas.openxmlformats.org/drawingml/2006/main" xmlns:r="http://schemas.openxmlformats.org/officeDocument/2006/relationships" xmlns:mc="http://schemas.openxmlformats.org/markup-compatibility/2006" xmlns:mv="urn:schemas-microsoft-com:mac:vml" xmlns:p="http://schemas.openxmlformats.org/presentationml/2006/main" mc:Ignorable="mv" mc:PreserveAttributes="mv:*">
   <p:cSld>
     <p:spTree>
       <p:nvGrpSpPr>
@@ -5162,7 +5486,7 @@
     </p:spTree>
     <p:extLst>
       <p:ext uri="{BB962C8B-B14F-4D97-AF65-F5344CB8AC3E}">
-        <p14:creationId xmlns:p14="http://schemas.microsoft.com/office/powerpoint/2010/main" val="1214655037"/>
+        <p14:creationId xmlns:p14="http://schemas.microsoft.com/office/powerpoint/2010/main" xmlns:p="http://schemas.openxmlformats.org/presentationml/2006/main" xmlns:r="http://schemas.openxmlformats.org/officeDocument/2006/relationships" xmlns:a="http://schemas.openxmlformats.org/drawingml/2006/main" xmlns="" val="1214655037"/>
       </p:ext>
     </p:extLst>
   </p:cSld>
@@ -5179,8 +5503,8 @@
 </p:sld>
 </file>
 
-<file path=ppt/slides/slide4.xml><?xml version="1.0" encoding="utf-8"?>
-<p:sld xmlns:a="http://schemas.openxmlformats.org/drawingml/2006/main" xmlns:r="http://schemas.openxmlformats.org/officeDocument/2006/relationships" xmlns:p="http://schemas.openxmlformats.org/presentationml/2006/main">
+<file path=ppt/slides/slide5.xml><?xml version="1.0" encoding="utf-8"?>
+<p:sld xmlns:a="http://schemas.openxmlformats.org/drawingml/2006/main" xmlns:r="http://schemas.openxmlformats.org/officeDocument/2006/relationships" xmlns:mc="http://schemas.openxmlformats.org/markup-compatibility/2006" xmlns:mv="urn:schemas-microsoft-com:mac:vml" xmlns:p="http://schemas.openxmlformats.org/presentationml/2006/main" mc:Ignorable="mv" mc:PreserveAttributes="mv:*">
   <p:cSld>
     <p:spTree>
       <p:nvGrpSpPr>
@@ -5378,7 +5702,7 @@
           <a:blip r:embed="rId2">
             <a:extLst>
               <a:ext uri="{28A0092B-C50C-407E-A947-70E740481C1C}">
-                <a14:useLocalDpi xmlns:a14="http://schemas.microsoft.com/office/drawing/2010/main" val="0"/>
+                <a14:useLocalDpi xmlns:a14="http://schemas.microsoft.com/office/drawing/2010/main" xmlns:p="http://schemas.openxmlformats.org/presentationml/2006/main" xmlns:r="http://schemas.openxmlformats.org/officeDocument/2006/relationships" xmlns:a="http://schemas.openxmlformats.org/drawingml/2006/main" xmlns="" val="0"/>
               </a:ext>
             </a:extLst>
           </a:blip>
@@ -5402,14 +5726,14 @@
           <a:effectLst/>
           <a:extLst>
             <a:ext uri="{909E8E84-426E-40DD-AFC4-6F175D3DCCD1}">
-              <a14:hiddenFill xmlns:a14="http://schemas.microsoft.com/office/drawing/2010/main">
+              <a14:hiddenFill xmlns:a14="http://schemas.microsoft.com/office/drawing/2010/main" xmlns:p="http://schemas.openxmlformats.org/presentationml/2006/main" xmlns:r="http://schemas.openxmlformats.org/officeDocument/2006/relationships" xmlns:a="http://schemas.openxmlformats.org/drawingml/2006/main" xmlns="">
                 <a:solidFill>
                   <a:schemeClr val="accent1"/>
                 </a:solidFill>
               </a14:hiddenFill>
             </a:ext>
             <a:ext uri="{91240B29-F687-4F45-9708-019B960494DF}">
-              <a14:hiddenLine xmlns:a14="http://schemas.microsoft.com/office/drawing/2010/main" w="9525">
+              <a14:hiddenLine xmlns:a14="http://schemas.microsoft.com/office/drawing/2010/main" xmlns:p="http://schemas.openxmlformats.org/presentationml/2006/main" xmlns:r="http://schemas.openxmlformats.org/officeDocument/2006/relationships" xmlns:a="http://schemas.openxmlformats.org/drawingml/2006/main" xmlns="" w="9525">
                 <a:solidFill>
                   <a:schemeClr val="tx1"/>
                 </a:solidFill>
@@ -5419,7 +5743,7 @@
               </a14:hiddenLine>
             </a:ext>
             <a:ext uri="{AF507438-7753-43E0-B8FC-AC1667EBCBE1}">
-              <a14:hiddenEffects xmlns:a14="http://schemas.microsoft.com/office/drawing/2010/main">
+              <a14:hiddenEffects xmlns:a14="http://schemas.microsoft.com/office/drawing/2010/main" xmlns:p="http://schemas.openxmlformats.org/presentationml/2006/main" xmlns:r="http://schemas.openxmlformats.org/officeDocument/2006/relationships" xmlns:a="http://schemas.openxmlformats.org/drawingml/2006/main" xmlns="">
                 <a:effectLst>
                   <a:outerShdw dist="35921" dir="2700000" algn="ctr" rotWithShape="0">
                     <a:schemeClr val="bg2"/>
@@ -5650,7 +5974,7 @@
           <a:blip r:embed="rId3">
             <a:extLst>
               <a:ext uri="{28A0092B-C50C-407E-A947-70E740481C1C}">
-                <a14:useLocalDpi xmlns:a14="http://schemas.microsoft.com/office/drawing/2010/main" val="0"/>
+                <a14:useLocalDpi xmlns:a14="http://schemas.microsoft.com/office/drawing/2010/main" xmlns:p="http://schemas.openxmlformats.org/presentationml/2006/main" xmlns:r="http://schemas.openxmlformats.org/officeDocument/2006/relationships" xmlns:a="http://schemas.openxmlformats.org/drawingml/2006/main" xmlns="" val="0"/>
               </a:ext>
             </a:extLst>
           </a:blip>
@@ -5674,14 +5998,14 @@
           <a:effectLst/>
           <a:extLst>
             <a:ext uri="{909E8E84-426E-40DD-AFC4-6F175D3DCCD1}">
-              <a14:hiddenFill xmlns:a14="http://schemas.microsoft.com/office/drawing/2010/main">
+              <a14:hiddenFill xmlns:a14="http://schemas.microsoft.com/office/drawing/2010/main" xmlns:p="http://schemas.openxmlformats.org/presentationml/2006/main" xmlns:r="http://schemas.openxmlformats.org/officeDocument/2006/relationships" xmlns:a="http://schemas.openxmlformats.org/drawingml/2006/main" xmlns="">
                 <a:solidFill>
                   <a:schemeClr val="accent1"/>
                 </a:solidFill>
               </a14:hiddenFill>
             </a:ext>
             <a:ext uri="{91240B29-F687-4F45-9708-019B960494DF}">
-              <a14:hiddenLine xmlns:a14="http://schemas.microsoft.com/office/drawing/2010/main" w="9525">
+              <a14:hiddenLine xmlns:a14="http://schemas.microsoft.com/office/drawing/2010/main" xmlns:p="http://schemas.openxmlformats.org/presentationml/2006/main" xmlns:r="http://schemas.openxmlformats.org/officeDocument/2006/relationships" xmlns:a="http://schemas.openxmlformats.org/drawingml/2006/main" xmlns="" w="9525">
                 <a:solidFill>
                   <a:schemeClr val="tx1"/>
                 </a:solidFill>
@@ -5691,7 +6015,7 @@
               </a14:hiddenLine>
             </a:ext>
             <a:ext uri="{AF507438-7753-43E0-B8FC-AC1667EBCBE1}">
-              <a14:hiddenEffects xmlns:a14="http://schemas.microsoft.com/office/drawing/2010/main">
+              <a14:hiddenEffects xmlns:a14="http://schemas.microsoft.com/office/drawing/2010/main" xmlns:p="http://schemas.openxmlformats.org/presentationml/2006/main" xmlns:r="http://schemas.openxmlformats.org/officeDocument/2006/relationships" xmlns:a="http://schemas.openxmlformats.org/drawingml/2006/main" xmlns="">
                 <a:effectLst>
                   <a:outerShdw dist="35921" dir="2700000" algn="ctr" rotWithShape="0">
                     <a:schemeClr val="bg2"/>
@@ -5743,7 +6067,7 @@
     </p:spTree>
     <p:extLst>
       <p:ext uri="{BB962C8B-B14F-4D97-AF65-F5344CB8AC3E}">
-        <p14:creationId xmlns:p14="http://schemas.microsoft.com/office/powerpoint/2010/main" val="214829920"/>
+        <p14:creationId xmlns:p14="http://schemas.microsoft.com/office/powerpoint/2010/main" xmlns:p="http://schemas.openxmlformats.org/presentationml/2006/main" xmlns:r="http://schemas.openxmlformats.org/officeDocument/2006/relationships" xmlns:a="http://schemas.openxmlformats.org/drawingml/2006/main" xmlns="" val="214829920"/>
       </p:ext>
     </p:extLst>
   </p:cSld>
@@ -5760,8 +6084,8 @@
 </p:sld>
 </file>
 
-<file path=ppt/slides/slide5.xml><?xml version="1.0" encoding="utf-8"?>
-<p:sld xmlns:a="http://schemas.openxmlformats.org/drawingml/2006/main" xmlns:r="http://schemas.openxmlformats.org/officeDocument/2006/relationships" xmlns:p="http://schemas.openxmlformats.org/presentationml/2006/main">
+<file path=ppt/slides/slide6.xml><?xml version="1.0" encoding="utf-8"?>
+<p:sld xmlns:a="http://schemas.openxmlformats.org/drawingml/2006/main" xmlns:r="http://schemas.openxmlformats.org/officeDocument/2006/relationships" xmlns:mc="http://schemas.openxmlformats.org/markup-compatibility/2006" xmlns:mv="urn:schemas-microsoft-com:mac:vml" xmlns:p="http://schemas.openxmlformats.org/presentationml/2006/main" mc:Ignorable="mv" mc:PreserveAttributes="mv:*">
   <p:cSld>
     <p:spTree>
       <p:nvGrpSpPr>
@@ -6129,7 +6453,7 @@
           </a:ln>
           <a:extLst>
             <a:ext uri="{909E8E84-426E-40DD-AFC4-6F175D3DCCD1}">
-              <a14:hiddenFill xmlns:a14="http://schemas.microsoft.com/office/drawing/2010/main">
+              <a14:hiddenFill xmlns:a14="http://schemas.microsoft.com/office/drawing/2010/main" xmlns:p="http://schemas.openxmlformats.org/presentationml/2006/main" xmlns:r="http://schemas.openxmlformats.org/officeDocument/2006/relationships" xmlns:a="http://schemas.openxmlformats.org/drawingml/2006/main" xmlns="">
                 <a:noFill/>
               </a14:hiddenFill>
             </a:ext>
@@ -6148,7 +6472,7 @@
           <a:blip r:embed="rId2" cstate="print">
             <a:extLst>
               <a:ext uri="{28A0092B-C50C-407E-A947-70E740481C1C}">
-                <a14:useLocalDpi xmlns:a14="http://schemas.microsoft.com/office/drawing/2010/main" val="0"/>
+                <a14:useLocalDpi xmlns:a14="http://schemas.microsoft.com/office/drawing/2010/main" xmlns:p="http://schemas.openxmlformats.org/presentationml/2006/main" xmlns:r="http://schemas.openxmlformats.org/officeDocument/2006/relationships" xmlns:a="http://schemas.openxmlformats.org/drawingml/2006/main" xmlns="" val="0"/>
               </a:ext>
             </a:extLst>
           </a:blip>
@@ -6171,14 +6495,14 @@
           </a:ln>
           <a:extLst>
             <a:ext uri="{909E8E84-426E-40DD-AFC4-6F175D3DCCD1}">
-              <a14:hiddenFill xmlns:a14="http://schemas.microsoft.com/office/drawing/2010/main">
+              <a14:hiddenFill xmlns:a14="http://schemas.microsoft.com/office/drawing/2010/main" xmlns:p="http://schemas.openxmlformats.org/presentationml/2006/main" xmlns:r="http://schemas.openxmlformats.org/officeDocument/2006/relationships" xmlns:a="http://schemas.openxmlformats.org/drawingml/2006/main" xmlns="">
                 <a:solidFill>
                   <a:srgbClr val="FFFFFF"/>
                 </a:solidFill>
               </a14:hiddenFill>
             </a:ext>
             <a:ext uri="{91240B29-F687-4F45-9708-019B960494DF}">
-              <a14:hiddenLine xmlns:a14="http://schemas.microsoft.com/office/drawing/2010/main" w="9525">
+              <a14:hiddenLine xmlns:a14="http://schemas.microsoft.com/office/drawing/2010/main" xmlns:p="http://schemas.openxmlformats.org/presentationml/2006/main" xmlns:r="http://schemas.openxmlformats.org/officeDocument/2006/relationships" xmlns:a="http://schemas.openxmlformats.org/drawingml/2006/main" xmlns="" w="9525">
                 <a:solidFill>
                   <a:srgbClr val="000000"/>
                 </a:solidFill>
@@ -6219,7 +6543,7 @@
           </a:ln>
           <a:extLst>
             <a:ext uri="{909E8E84-426E-40DD-AFC4-6F175D3DCCD1}">
-              <a14:hiddenFill xmlns:a14="http://schemas.microsoft.com/office/drawing/2010/main">
+              <a14:hiddenFill xmlns:a14="http://schemas.microsoft.com/office/drawing/2010/main" xmlns:p="http://schemas.openxmlformats.org/presentationml/2006/main" xmlns:r="http://schemas.openxmlformats.org/officeDocument/2006/relationships" xmlns:a="http://schemas.openxmlformats.org/drawingml/2006/main" xmlns="">
                 <a:noFill/>
               </a14:hiddenFill>
             </a:ext>
@@ -6255,7 +6579,7 @@
           </a:ln>
           <a:extLst>
             <a:ext uri="{909E8E84-426E-40DD-AFC4-6F175D3DCCD1}">
-              <a14:hiddenFill xmlns:a14="http://schemas.microsoft.com/office/drawing/2010/main">
+              <a14:hiddenFill xmlns:a14="http://schemas.microsoft.com/office/drawing/2010/main" xmlns:p="http://schemas.openxmlformats.org/presentationml/2006/main" xmlns:r="http://schemas.openxmlformats.org/officeDocument/2006/relationships" xmlns:a="http://schemas.openxmlformats.org/drawingml/2006/main" xmlns="">
                 <a:noFill/>
               </a14:hiddenFill>
             </a:ext>
@@ -6290,7 +6614,7 @@
           </a:ln>
           <a:extLst>
             <a:ext uri="{909E8E84-426E-40DD-AFC4-6F175D3DCCD1}">
-              <a14:hiddenFill xmlns:a14="http://schemas.microsoft.com/office/drawing/2010/main">
+              <a14:hiddenFill xmlns:a14="http://schemas.microsoft.com/office/drawing/2010/main" xmlns:p="http://schemas.openxmlformats.org/presentationml/2006/main" xmlns:r="http://schemas.openxmlformats.org/officeDocument/2006/relationships" xmlns:a="http://schemas.openxmlformats.org/drawingml/2006/main" xmlns="">
                 <a:noFill/>
               </a14:hiddenFill>
             </a:ext>
@@ -6326,14 +6650,14 @@
           </a:effectLst>
           <a:extLst>
             <a:ext uri="{909E8E84-426E-40DD-AFC4-6F175D3DCCD1}">
-              <a14:hiddenFill xmlns:a14="http://schemas.microsoft.com/office/drawing/2010/main">
+              <a14:hiddenFill xmlns:a14="http://schemas.microsoft.com/office/drawing/2010/main" xmlns:p="http://schemas.openxmlformats.org/presentationml/2006/main" xmlns:r="http://schemas.openxmlformats.org/officeDocument/2006/relationships" xmlns:a="http://schemas.openxmlformats.org/drawingml/2006/main" xmlns="">
                 <a:solidFill>
                   <a:srgbClr val="FFFFFF"/>
                 </a:solidFill>
               </a14:hiddenFill>
             </a:ext>
             <a:ext uri="{91240B29-F687-4F45-9708-019B960494DF}">
-              <a14:hiddenLine xmlns:a14="http://schemas.microsoft.com/office/drawing/2010/main" w="9525">
+              <a14:hiddenLine xmlns:a14="http://schemas.microsoft.com/office/drawing/2010/main" xmlns:p="http://schemas.openxmlformats.org/presentationml/2006/main" xmlns:r="http://schemas.openxmlformats.org/officeDocument/2006/relationships" xmlns:a="http://schemas.openxmlformats.org/drawingml/2006/main" xmlns="" w="9525">
                 <a:solidFill>
                   <a:srgbClr val="000000"/>
                 </a:solidFill>
@@ -6387,7 +6711,7 @@
           </a:ln>
           <a:extLst>
             <a:ext uri="{909E8E84-426E-40DD-AFC4-6F175D3DCCD1}">
-              <a14:hiddenFill xmlns:a14="http://schemas.microsoft.com/office/drawing/2010/main">
+              <a14:hiddenFill xmlns:a14="http://schemas.microsoft.com/office/drawing/2010/main" xmlns:p="http://schemas.openxmlformats.org/presentationml/2006/main" xmlns:r="http://schemas.openxmlformats.org/officeDocument/2006/relationships" xmlns:a="http://schemas.openxmlformats.org/drawingml/2006/main" xmlns="">
                 <a:noFill/>
               </a14:hiddenFill>
             </a:ext>
@@ -6423,14 +6747,14 @@
           </a:effectLst>
           <a:extLst>
             <a:ext uri="{909E8E84-426E-40DD-AFC4-6F175D3DCCD1}">
-              <a14:hiddenFill xmlns:a14="http://schemas.microsoft.com/office/drawing/2010/main">
+              <a14:hiddenFill xmlns:a14="http://schemas.microsoft.com/office/drawing/2010/main" xmlns:p="http://schemas.openxmlformats.org/presentationml/2006/main" xmlns:r="http://schemas.openxmlformats.org/officeDocument/2006/relationships" xmlns:a="http://schemas.openxmlformats.org/drawingml/2006/main" xmlns="">
                 <a:solidFill>
                   <a:srgbClr val="FFFFFF"/>
                 </a:solidFill>
               </a14:hiddenFill>
             </a:ext>
             <a:ext uri="{91240B29-F687-4F45-9708-019B960494DF}">
-              <a14:hiddenLine xmlns:a14="http://schemas.microsoft.com/office/drawing/2010/main" w="9525">
+              <a14:hiddenLine xmlns:a14="http://schemas.microsoft.com/office/drawing/2010/main" xmlns:p="http://schemas.openxmlformats.org/presentationml/2006/main" xmlns:r="http://schemas.openxmlformats.org/officeDocument/2006/relationships" xmlns:a="http://schemas.openxmlformats.org/drawingml/2006/main" xmlns="" w="9525">
                 <a:solidFill>
                   <a:srgbClr val="000000"/>
                 </a:solidFill>
@@ -6486,14 +6810,14 @@
           </a:effectLst>
           <a:extLst>
             <a:ext uri="{909E8E84-426E-40DD-AFC4-6F175D3DCCD1}">
-              <a14:hiddenFill xmlns:a14="http://schemas.microsoft.com/office/drawing/2010/main">
+              <a14:hiddenFill xmlns:a14="http://schemas.microsoft.com/office/drawing/2010/main" xmlns:p="http://schemas.openxmlformats.org/presentationml/2006/main" xmlns:r="http://schemas.openxmlformats.org/officeDocument/2006/relationships" xmlns:a="http://schemas.openxmlformats.org/drawingml/2006/main" xmlns="">
                 <a:solidFill>
                   <a:srgbClr val="FFFFFF"/>
                 </a:solidFill>
               </a14:hiddenFill>
             </a:ext>
             <a:ext uri="{91240B29-F687-4F45-9708-019B960494DF}">
-              <a14:hiddenLine xmlns:a14="http://schemas.microsoft.com/office/drawing/2010/main" w="9525">
+              <a14:hiddenLine xmlns:a14="http://schemas.microsoft.com/office/drawing/2010/main" xmlns:p="http://schemas.openxmlformats.org/presentationml/2006/main" xmlns:r="http://schemas.openxmlformats.org/officeDocument/2006/relationships" xmlns:a="http://schemas.openxmlformats.org/drawingml/2006/main" xmlns="" w="9525">
                 <a:solidFill>
                   <a:srgbClr val="000000"/>
                 </a:solidFill>
@@ -6548,7 +6872,7 @@
           </a:ln>
           <a:extLst>
             <a:ext uri="{909E8E84-426E-40DD-AFC4-6F175D3DCCD1}">
-              <a14:hiddenFill xmlns:a14="http://schemas.microsoft.com/office/drawing/2010/main">
+              <a14:hiddenFill xmlns:a14="http://schemas.microsoft.com/office/drawing/2010/main" xmlns:p="http://schemas.openxmlformats.org/presentationml/2006/main" xmlns:r="http://schemas.openxmlformats.org/officeDocument/2006/relationships" xmlns:a="http://schemas.openxmlformats.org/drawingml/2006/main" xmlns="">
                 <a:noFill/>
               </a14:hiddenFill>
             </a:ext>
@@ -6635,7 +6959,7 @@
           </a:ln>
           <a:extLst>
             <a:ext uri="{909E8E84-426E-40DD-AFC4-6F175D3DCCD1}">
-              <a14:hiddenFill xmlns:a14="http://schemas.microsoft.com/office/drawing/2010/main">
+              <a14:hiddenFill xmlns:a14="http://schemas.microsoft.com/office/drawing/2010/main" xmlns:p="http://schemas.openxmlformats.org/presentationml/2006/main" xmlns:r="http://schemas.openxmlformats.org/officeDocument/2006/relationships" xmlns:a="http://schemas.openxmlformats.org/drawingml/2006/main" xmlns="">
                 <a:noFill/>
               </a14:hiddenFill>
             </a:ext>
@@ -6712,7 +7036,7 @@
     </p:spTree>
     <p:extLst>
       <p:ext uri="{BB962C8B-B14F-4D97-AF65-F5344CB8AC3E}">
-        <p14:creationId xmlns:p14="http://schemas.microsoft.com/office/powerpoint/2010/main" val="3633103125"/>
+        <p14:creationId xmlns:p14="http://schemas.microsoft.com/office/powerpoint/2010/main" xmlns:p="http://schemas.openxmlformats.org/presentationml/2006/main" xmlns:r="http://schemas.openxmlformats.org/officeDocument/2006/relationships" xmlns:a="http://schemas.openxmlformats.org/drawingml/2006/main" xmlns="" val="3633103125"/>
       </p:ext>
     </p:extLst>
   </p:cSld>
